--- a/ppt/Spring boot annotations.pptx
+++ b/ppt/Spring boot annotations.pptx
@@ -4,6 +4,9 @@
   <p:sldMasterIdLst>
     <p:sldMasterId id="2147483660" r:id="rId1"/>
   </p:sldMasterIdLst>
+  <p:notesMasterIdLst>
+    <p:notesMasterId r:id="rId12"/>
+  </p:notesMasterIdLst>
   <p:sldIdLst>
     <p:sldId id="256" r:id="rId2"/>
     <p:sldId id="257" r:id="rId3"/>
@@ -113,6 +116,11 @@
       </a:defRPr>
     </a:lvl9pPr>
   </p:defaultTextStyle>
+  <p:extLst>
+    <p:ext uri="{EFAFB233-063F-42B5-8137-9DF3F51BA10A}">
+      <p15:sldGuideLst xmlns:p15="http://schemas.microsoft.com/office/powerpoint/2012/main"/>
+    </p:ext>
+  </p:extLst>
 </p:presentation>
 </file>
 
@@ -149,12 +157,12 @@
   <inkml:trace contextRef="#ctx0" brushRef="#br0" timeOffset="10650.55">2826 6788 257 0,'-1'-2'165'15,"-2"-1"-18"-15,1 1-68 16,0 0-14-16,-1 0-44 0,-1-1-12 16,-2 0-9-16,2 2-3 15,0-1-3-15,-3 1 0 16,-1 0-1-16,2 1 2 16,-2 1 2-16,-1 4 0 15,2 0 1-15,0 19-1 16,-36 38 0-16,35-23-1 15,2 5-1-15,0 14-3 16,1-5-4-16,3 14-3 16,-1-9-2-16,2 6-1 15,4-11 4-15,0 8 2 16,3-8 6-16,2 6 1 16,-4-11 2-16,3 4 2 15,-2-10-1-15,-3-1 2 16,-2-11-1-16,4 3 1 0,-3-7 0 15,0 0 0-15,1-1-1 16,-1 6 2-16,1 0-2 16,-2 3 2-16,1-2-1 15,2 0 0-15,1-8-1 16,-1-2 3-16,-1-9-2 16,0-1 5-16,-2-6 2 15,-2-1 14-15,0-4 6 16,1-1 12-16,0 0 2 15,0 0 5-15,0 0-7 0,-1 0 5 16,1 0-9-16,0 0 1 16,0 0-8-16,0 0-3 15,0 0-13-15,-1 0-5 16,1 0-6-16,0 0-3 16,0 0-1-16,0 0-3 15,0 0-1-15,0 0-7 16,-1 0-3-16,2 0-4 15,0 0 1-15,0 0 2 16,2 0 6-16,10 0 5 16,10 1 5-16,40 4 0 15,-33-4 1-15,3-1 0 16,0 3 1-16,5 1-1 16,-1-3 1-16,7 2-1 15,-1 2-1-15,9-2 1 16,-2-3 0-16,10 4 0 15,-7-4 0-15,5 0 0 0,-5-1 0 16,8 4 0-16,-8-3 0 16,10 5 2-16,-1-1-1 15,11 4 1-15,-10-2-1 16,13 3 0-16,-8-2 0 0,10-3 0 16,-4-3-1-16,12 1 0 15,-8-3 0-15,12 3 0 16,-18 6 0-16,11 3-1 15,-13-2 1-15,11 5 0 16,-10-4 1-16,16 2-1 16,-14-4 1-16,16-1 0 15,-11-5 1-15,12 0 0 16,-13-2-1-16,6 3 0 16,-14-1-1-16,3 4-3 15,-12 1-2-15,10 1 2 16,-5-1 0-16,7 0 0 15,-4-4 1-15,7-2 4 16,-11 0-2-16,10 0 1 16,-10 2 0-16,8 3 1 15,-10 2 0-15,6 1-1 16,-9 0 0-16,6 0 0 0,-5-3 0 16,10-1 0-16,-7-2 0 15,8-2 0-15,-5-1 0 16,8-3-1-16,-9-2 2 15,10-1-1-15,-6 0 0 16,9-4 0-16,-9 2 1 16,5 0-1-16,-10 2 0 15,4 1 0-15,-12 0 0 0,10 2 0 16,-7 0 0-16,7 1 0 16,-5 0 0-16,7-1 1 15,-7 2-1-15,7-2 1 16,-9 0-1-16,6 1 1 15,-8 2-1-15,0 0 1 16,-8 2 0-16,3 2-1 16,-9-2 0-16,5 0 1 15,-6 1-1-15,7-3 1 16,-2 0-1-16,3 0 1 16,-4-1-1-16,3-3 2 15,-9 3-1-15,-3-2 0 16,-8 0 0-16,1 1 0 15,-6 1 0-15,0 0-1 16,-2-1 0-16,2 2 0 16,-7-1 0-16,4 1 0 0,-5-2 1 15,0 1 0-15,-2-1 0 16,1-2 1-16,0 0-2 16,5-1 1-16,-2-1-1 15,3-1 1-15,-2 3-1 16,2-2 1-16,-5 1 0 15,-1 1 1-15,-3 2-1 16,-2-3 1-16,-2 0-1 0,4 0 1 16,-1-1-1-16,1-7-1 15,1 4 1-15,0-2 1 16,-2 2-1-16,1-1 1 16,0-2 0-16,0-2 1 15,-1-2-1-15,0-5 0 16,-1 2 1-16,-1 2 2 15,-3 2 0-15,-1 2 5 16,0 5 1-16,-3 0 2 16,1 0-2-16,2 0-2 15,-2 0-4-15,0-3-2 16,2 2-2-16,1 0 0 16,-4 1 0-16,2 0 2 15,2 1 1-15,-4 1 14 16,0 1 3-16,0-2 1 15,-1 6-3-15,0 0-3 0,0-1-14 16,1-6-2-16,5-6-1 16,1-1 4-16,14-29 1 15,-19 35 1-15,2 2-1 16,-2-5-2-16,2 0-2 16,5-7-2-16,-3 0 0 15,3-3 1-15,-1 1 1 0,-3 1 3 16,-1 7 2-1,-2-4 4-15,-2 4 0 0,-1-4-1 16,2-1-3-16,1-7-2 16,0-2-3-16,1-2 0 15,1 0 0-15,-2-2 4 16,0 7 4-16,-1-1 14 16,-2 3 3-16,0-4 0 15,0 7-2-15,-3-6-3 16,1 4-13-16,-1-3-3 15,0 2-2-15,-1 0 2 16,2 4 3-16,-4 0 13 16,2 5 5-16,-1 1 3 15,2 1-1-15,-3 2-2 16,3-1-13-16,-1-1-2 16,0 6-4-16,-1-1 1 15,2 1-3-15,-1 3 0 16,2 0 0-16,1 0 0 0,1 1 1 15,0 0 0-15,0 0 0 16,-1-1-1-16,-1-1-1 16,1 1-2-16,-1-4-2 15,-3-2-3-15,-2-1-1 0,-4-3 1 16,-35-34 3 0,30 36 2-16,1-3 3 0,-6-1-2 15,1 2-6-15,-6-2-6 16,2 0-3-16,-7-1-5 15,4 4 2-15,-4-2 12 16,3 3 9-16,-2-3-3 16,3 2 5-16,-5 0-4 15,3 1-4-15,-6-2-3 16,3 3-12-16,-12-2-21 16,3 3 4-16,-10 3-3 15,0-2 0-15,-6 3 16 16,7 2 19-16,-6-4 13 15,10 0 1-15,-9-1-19 16,6 2 1-16,-8-2 5 16,4 3-14-16,-11 3-13 15,7 2 18-15,-8 0-14 0,6 2-8 16,-5-1 9-16,8-2 13 16,-13-2-12-16,7 3 15 15,-6 0 12-15,5 0-12 16,-8 4-1-16,11-2 13 15,-10 3-6-15,6-1-3 16,-8 0 6-16,10 1 0 16,-6-1 7-16,14-5 6 0,-3 0 5 15,9-2-2-15,-7-2 3 16,6 2-8-16,-7 1-7 16,-1 2-5-16,-5 0 0 15,9-1-3-15,-8 1 2 16,12-1 5-16,-9-3-1 15,8 1-1-15,-9 1 1 16,5 0 1-16,-7-3 12 16,11 4 1-16,-8-4-2 15,11 2-3-15,-11-3-16 16,2 6-19-16,-9-2 0 16,6 5 3-16,-7-2 3 15,11 1 15-15,-5 0 3 16,12-1 0-16,-9-4-2 15,7 2-4-15,-11 1-2 16,9 1 0-16,-10 2-1 16,4 1-2-16,-7 6 3 0,11-3 3 15,-9-1 2 1,9-2 1-16,-7 1 5 0,9-3 1 16,-6-1-3-16,7 1-2 15,-4 1 0-15,9-2-4 16,-6-1 0-16,10-1 1 15,-8-3 3-15,5 2-2 0,-6-3 4 16,6 2 0-16,-6 2 0 16,9-1-1-16,-3-2 1 15,9 0 1-15,-3-2 2 16,6-2 2-16,-2-1 6 16,1-3 0-16,-4-1 4 15,3 3-4-15,-2-2-2 16,3 4-6-16,-1 1-1 15,6 0-6-15,-4 3 4 16,5 0-2-16,-5 0 0 16,4 3 0-16,-6 0-1 15,5-1-3-15,-5 2 1 16,5 1 0-16,-7 2 0 16,5-1-1-16,-7 2-1 15,3 0-2-15,-5 5 1 16,6-3 1-16,-1 2 1 0,4 0 1 15,-1 3 0-15,7-3-1 16,-4 5-2-16,4-1 0 16,-1 2 1-16,6-3 3 15,1-2 0-15,2-4 1 16,1 2-1-16,0-1 0 16,-1 0-1-16,4 0 2 0,2 0 1 15,3-3 2-15,-1-1 3 16,3-1 1-16,0-1 5 15,1-1-1-15,-1 0 0 16,2 0-1-16,0 0-3 16,1 0-5-16,4 0-9 15,0 0-19-15,-1-1-117 16,1 1-134-16,0 0-10 16</inkml:trace>
   <inkml:trace contextRef="#ctx0" brushRef="#br0" timeOffset="15325.779">15274 8362 400 0,'-1'-1'87'0,"1"1"30"16,0 0-126-16,0-2-21 0,0 2-1 15,0 0 0-15,0 0 7 16,0 0 9-16,0 0 15 16,0 0 3-16,0 2 1 15,0-1 1-15,5 11-1 16,4 10 1-16,16 33-4 15,-12-31 1-15,0-6 0 16,4 2-1-16,-1-5 0 0,7-1 1 16,-2-4-2-16,9-2 1 15,-1-4-1-15,9-7 1 16,-1-3-1-16,9-4 2 16,-2-6 0-16,1-12 2 15,-4 3 1-15,4-12 4 16,-7 1-1-16,7-8 1 15,-2 8 0-15,3-7 1 16,-3 6 1-16,-1-1 0 16,-7 11-1-16,-5 6 0 15,-10 4-3-15,-3 8-1 16,-8 6-1-16,-3 0 0 16,-3 2-2-16,1 2-2 15,-4-2-5-15,0 1-45 16,0 0-38-16,0 0-38 0,1 1-43 15</inkml:trace>
   <inkml:trace contextRef="#ctx0" brushRef="#br0" timeOffset="16162.543">20098 8211 402 0,'-1'-7'212'0,"0"5"-42"15,0 0-113-15,1 2-171 16,0 0 5-16,0 0 12 0,0 0 12 16,0 0 71-16,0 0 30 15,0 0 13-15,0 0 12 16,0 0 0-16,0 2-4 15,0-2-13-15,1 1-15 16,0 0-11-16,0 0 0 16,7 6 3-16,8 7-1 15,37 35 0-15,-29-31-2 16,-1-2-1-16,10 1-11 16,-2-2-2-16,6 0 0 15,-1-2 1-15,5-4 1 16,-5-3 10-16,3-5 2 15,-4-5 1-15,5-5 0 16,-4-6 1-16,9-4 1 16,-2-6 0-16,10-3 0 15,-4 1 0-15,3-1 0 0,-7 4 0 16,-3 0 2-16,-7 5-1 16,-3 0 2-16,-6 3 1 15,1 2 0-15,-3 1-1 16,2-1-1-16,-3 5 0 15,-1-2-2-15,-6 1-1 16,-2 3 1-16,-6 4 1 16,-2 1 3-16,-4-1 2 15,-2 3 0-15,0-1-1 0,0 1-21 16,0-1-73-16,0 1-32 16,0 0-34-16</inkml:trace>
-  <inkml:trace contextRef="#ctx0" brushRef="#br0" timeOffset="17238.311">27059 8311 167 0,'2'1'79'0,"-2"-1"0"16,0 2-50-16,0-3-8 16,0 1-12-16,0 0-1 15,0 0 43-15,0 0 30 0,0 0 38 16,0 0 8-16,0 0 0 15,0 0-42-15,0 0-31 16,0 0-39-16,0 0-16 16,0 0-11-16,0 0 1 15,0 0 2-15,0 1 2 16,0 1 5-16,4 15 2 16,2 5-1-16,13 39 0 15,-10-39 0-15,1 3 0 16,-1-5-2-16,5 1 0 15,-3-5-3-15,5-2-2 16,-1-8-1-16,3 1-1 16,-1-5 1-16,5-2 1 15,-4-2 2-15,8-1 3 16,-1-2 1-16,4-6 3 0,1-4 0 16,10-7 0-16,-1-2 0 15,9-9-1-15,-3 5 0 16,4-2 0-16,-7 4-2 15,-3 0 1-15,-10 6 1 16,2-3 1-16,-7 5 0 16,6-5 1-16,2 1 1 15,7-6 1-15,-3 5-2 16,2-1 0-16,-8 6 0 0,-4 6 0 16,-10 5 0-16,-4 2 2 15,-5 3 0-15,-2 2 1 16,-2-1-1-16,-3 1-1 15,0 0-4-15,0 0-56 16,0 0-115-16,0 1-25 16,3 19-85-16</inkml:trace>
+  <inkml:trace contextRef="#ctx0" brushRef="#br0" timeOffset="17238.31">27059 8311 167 0,'2'1'79'0,"-2"-1"0"16,0 2-50-16,0-3-8 16,0 1-12-16,0 0-1 15,0 0 43-15,0 0 30 0,0 0 38 16,0 0 8-16,0 0 0 15,0 0-42-15,0 0-31 16,0 0-39-16,0 0-16 16,0 0-11-16,0 0 1 15,0 0 2-15,0 1 2 16,0 1 5-16,4 15 2 16,2 5-1-16,13 39 0 15,-10-39 0-15,1 3 0 16,-1-5-2-16,5 1 0 15,-3-5-3-15,5-2-2 16,-1-8-1-16,3 1-1 16,-1-5 1-16,5-2 1 15,-4-2 2-15,8-1 3 16,-1-2 1-16,4-6 3 0,1-4 0 16,10-7 0-16,-1-2 0 15,9-9-1-15,-3 5 0 16,4-2 0-16,-7 4-2 15,-3 0 1-15,-10 6 1 16,2-3 1-16,-7 5 0 16,6-5 1-16,2 1 1 15,7-6 1-15,-3 5-2 16,2-1 0-16,-8 6 0 0,-4 6 0 16,-10 5 0-16,-4 2 2 15,-5 3 0-15,-2 2 1 16,-2-1-1-16,-3 1-1 15,0 0-4-15,0 0-56 16,0 0-115-16,0 1-25 16,3 19-85-16</inkml:trace>
   <inkml:trace contextRef="#ctx0" brushRef="#br0" timeOffset="24434.285">14112 8104 291 0,'-2'1'64'15,"-1"-1"24"-15,0 0-88 16,2 0-4-16,0 1-2 16,0 0-2-16,-8 20 2 0,-21 40 3 15,15-38 2-15,-3 6 1 16,2-3 1-16,0 5 2 15,2-2-1-15,-2 6 1 16,7-6-2-16,-2 6 0 16,1-1 0-16,-3 5-2 15,4-4 0-15,-2 3 0 16,0-13-1-16,5-3-18 16,4-9-39-16,-1-4-27 15,4-8-21-15</inkml:trace>
   <inkml:trace contextRef="#ctx0" brushRef="#br0" timeOffset="24955.603">14050 8147 315 0,'-2'-3'63'16,"-2"4"27"-16,2 2-96 15,1-3 0-15,0 0-1 16,-1 0 0-16,1 2 4 16,-1-1 2-16,-3 14 2 15,-15 9 1-15,-37 38 0 16,33-33 1-16,4-2 1 16,-2-3-1-16,9-6 0 0,0-3-2 15,4-3-1-15,2-3-1 16,2-2 0-16,2-3-5 15,0-1-7-15,3-2-17 16,-1-2-11-16,1 0-11 16,0-1 4-16,0 1 8 15,0-1 18-15,11-18 17 16,23-40 15-16,-16 33 8 16,-1 3 3-16,1-2 1 15,0 8-3-15,1-1-4 16,-2 6-9-16,3-1-3 15,-4 4-1-15,1 5-1 16,-3 2-2-16,2 5 0 16,-3 1 1-16,3 4 1 0,-2-1-1 15,2 3 1-15,-3-2-1 16,4 4 1-16,-3 0-1 16,1 1 1-16,-2 1 0 15,1 6 1-15,-2-2-1 16,7 6-25-16,-1-1-41 15,16 0 4-15</inkml:trace>
   <inkml:trace contextRef="#ctx0" brushRef="#br0" timeOffset="25551.269">19383 8032 564 0,'6'-1'109'0,"-3"2"22"16,-4-4-184-16,1 3-49 15,0 0 9-15,0 1 4 16,0 7 35-16,-1 19 27 16,-2 33 32-16,-3-27 4 15,0-7 2-15,0 1 5 16,1-10 1-16,-2 4 0 15,2-3-3-15,-2 6-2 16,1 5-6-16,1 17-2 16,-1 5-3-16,0 10 1 15,1 0-2-15,1 4 1 16,-2-14-1-16,-2-3-2 16,0-12-4-16,-5-5-68 15,1-9-26-15,-3-3-18 0</inkml:trace>
   <inkml:trace contextRef="#ctx0" brushRef="#br0" timeOffset="26118.486">19316 8008 485 0,'-11'78'98'15,"-7"-69"47"-15,-1 19-143 16,0 7-10-16,-2 13 1 16,1 2 3-16,-2 6-1 15,4-9 1-15,-3 1 2 16,4-13 0-16,0-3 4 15,6-15 3-15,3-3 13 16,2-9 8-16,3-5 13 16,3 0-3-16,0-1-11 15,-2 0-14-15,2-1-10 0,0-21-13 16,4-53 1-16,3 35 8 16,1-1 7-16,2 8 3 15,4 4 2-15,-2 10 0 16,3-5 5-16,1 5-1 15,1-3 6-15,0 5-1 16,1 1 2-16,-5 5-8 16,5 3-5-16,-2 5-8 0,0-3-2 15,-1 7-2-15,2 0 1 16,-2 2-1-16,3-2-1 16,-1 6 0-16,1 0 0 15,0 2 2-15,0 7-1 16,-1 1 2-16,2 3-12 15,-4 0-11-15,3 3-31 16,-2-2-18-16,6 6-107 16,-1-3 11-16</inkml:trace>
-  <inkml:trace contextRef="#ctx0" brushRef="#br0" timeOffset="34011.163">15572 9851 126 0,'0'0'171'0,"0"0"-43"15,0 0-35-15,0 0-9 16,-1 0-60-16,-1 0-17 16,1 0-7-16,0 0 9 0,0 0 15 15,0 0 24 1,0 0 7-16,1 0 7 0,-1 0-7 16,-1 0-14-16,1 0-23 15,1 0-13-15,0 0-11 16,0 0-14-16,0 0-4 15,0 0-1-15,0 0 4 16,0 1 4-16,1 1 10 16,2 2 4-16,6 10 2 0,8 4 0 15,35 34 1-15,-30-31 0 16,-2-2 1-16,2 1-1 16,-4-5 0-16,0 1 0 15,-6-6 1-15,-1-1-1 16,-2-6 0-16,-1 1 0 15,-1-3 1-15,-1-3 0 16,1-2 0-16,7-3 0 16,-1-3 1-16,6-5-1 15,5-5 0-15,6-7 1 16,1-5 0-16,10-4-1 16,-2-4 0-16,9-5 0 15,-2 6 0-15,4-3 1 16,-5 2 0-16,7 1 1 0,-9 5 1 15,2-1 2 1,-6 6 1-16,1 2 3 16,-7 3 4-16,4 1 5 0,-7 4-2 15,-4 2 0-15,-5 4-2 16,-5 1-2-16,-7 9-3 16,-3-1 8-16,-3 3 6 15,-3 0 13-15,0 1 3 16,0 0 3-16,0-1-6 15,0 1-7-15,0 0-13 0,0-1-8 16,0 0-7-16,-1 1-57 16,1 0-104-16,0 0-90 15,0 0-59-15</inkml:trace>
+  <inkml:trace contextRef="#ctx0" brushRef="#br0" timeOffset="34011.162">15572 9851 126 0,'0'0'171'0,"0"0"-43"15,0 0-35-15,0 0-9 16,-1 0-60-16,-1 0-17 16,1 0-7-16,0 0 9 0,0 0 15 15,0 0 24 1,0 0 7-16,1 0 7 0,-1 0-7 16,-1 0-14-16,1 0-23 15,1 0-13-15,0 0-11 16,0 0-14-16,0 0-4 15,0 0-1-15,0 0 4 16,0 1 4-16,1 1 10 16,2 2 4-16,6 10 2 0,8 4 0 15,35 34 1-15,-30-31 0 16,-2-2 1-16,2 1-1 16,-4-5 0-16,0 1 0 15,-6-6 1-15,-1-1-1 16,-2-6 0-16,-1 1 0 15,-1-3 1-15,-1-3 0 16,1-2 0-16,7-3 0 16,-1-3 1-16,6-5-1 15,5-5 0-15,6-7 1 16,1-5 0-16,10-4-1 16,-2-4 0-16,9-5 0 15,-2 6 0-15,4-3 1 16,-5 2 0-16,7 1 1 0,-9 5 1 15,2-1 2 1,-6 6 1-16,1 2 3 16,-7 3 4-16,4 1 5 0,-7 4-2 15,-4 2 0-15,-5 4-2 16,-5 1-2-16,-7 9-3 16,-3-1 8-16,-3 3 6 15,-3 0 13-15,0 1 3 16,0 0 3-16,0-1-6 15,0 1-7-15,0 0-13 0,0-1-8 16,0 0-7-16,-1 1-57 16,1 0-104-16,0 0-90 15,0 0-59-15</inkml:trace>
   <inkml:trace contextRef="#ctx0" brushRef="#br0" timeOffset="39839.448">9018 10797 307 0,'34'22'127'16,"-36"-22"0"-16,2 1-86 15,0 0-28-15,0-1-19 16,0 0-8-16,0 0 2 16,0 0 4-16,0 0 8 15,0 0 1-15,0 0 1 16,0 0-2-16,0 0-1 16,0 0-2-16,0 0-1 15,0 1 0-15,1 0 2 0,6 12 0 16,1 1 1-16,24 36-1 15,-20-37 1-15,2 3 0 16,-2-3 0-16,3 0-1 16,-3-5 1-16,4 0 0 15,-2-4 0-15,2-1 0 16,-1-2 2-16,4 1-1 16,-4-5 1-16,4 0 0 15,0 0 1-15,5-8 3 16,0-2 4-16,12-10 2 15,-2-7 0-15,10-7 0 16,-6 1-3-16,4-7-3 0,-9 10-1 16,4-3 12-16,-8 5 11 15,7-5 9-15,-4 4 4 16,9-10 9-16,-1 6-10 16,8-9-9-16,-5 4-9 15,2 2-4-15,-13 10-10 16,-3 2-2-16,-14 12-1 15,-3 5 3-15,-8 6 5 16,-2 1 10-16,-2 3 3 0,0 0 2 16,0 0-3-16,-1 0-4 15,1 0-11-15,0 0-2 16,0 0-3-16,0 0-3 16,0 0 0-16,0 0-4 15,0 0-3-15,0 0-18 16,0 0-18-16,0 0-126 15,0 0-43-15,1 2-42 16</inkml:trace>
   <inkml:trace contextRef="#ctx0" brushRef="#br0" timeOffset="61477.024">6152 12112 277 0,'5'1'157'16,"-10"-1"-8"-16,4 0-54 15,1-1-64-15,0 1-15 16,-2 0-26-16,2 0-3 15,0 0 1-15,0 0 2 0,0 0 6 16,2 0 4-16,-1 0 0 16,0 0 1-16,0 0-1 15,0 0 0-15,0 0-2 16,0 0 1-16,6 0-1 16,4 1 1-16,0 0 0 15,5 2 0-15,35 7-1 16,-29-8 0-16,-1 1 0 0,2-1-1 15,-2 0 1-15,1 1 1 16,-3-2-1-16,4 1 1 16,0-1 0-16,4 1 0 15,-3 0 0-15,5-2 1 16,-5 2-1-16,3 0 0 16,-6 2 1-16,4-1-1 15,-6 2 0-15,4-2-1 16,-2 0 0-16,4 0 1 15,0-1 0-15,5 1 1 16,0-2 1-16,5-1 0 16,-2 0 0-16,2 0 0 15,-4 2 0-15,4 2 0 16,-4-1 0-16,3 4 0 16,-4-2-1-16,3 1 0 0,-5-1-1 15,4-3 1-15,-1-2 0 16,3-2 1-16,-2-4 1 15,6 1-1-15,-4-1 1 16,6 0 0-16,-6 4-1 16,7 2 0-16,-6 2 0 0,8 1-1 15,-4 2 0 1,7-1 0-16,-5-2 0 16,6-2 1-16,-4-2 0 0,4-3 0 15,-5-1-1-15,7 2 1 16,-6 0-1-16,4 3 0 15,-6 0 0-15,1 2 0 16,-9 0-1-16,4 0 1 16,-5-2-1-16,6 1 1 15,-1-1-1-15,6 0 1 16,-3 0 0-16,4 1 1 16,-3 0-1-16,1 1 0 15,-6 1-1-15,3-1 1 16,-8 2 0-16,4-3 0 15,-8 0-1-15,9 0 1 16,-6 0 0-16,4-3-1 16,-6 3 1-16,7 0 0 0,-7 0 0 15,2 0-1-15,-5 1 1 16,5 2-1-16,-5-1 1 16,9 0 0-16,-3-1 0 15,8 1 2-15,-2-2 0 16,5-2-1-16,-7 0 0 15,6-1 1-15,-7-1-1 16,5 2 0-16,-4 1 0 16,2 2-1-16,-5 0 0 0,5 0 0 15,-3 2 0-15,4-3 0 16,-4 1-1-16,4-1 1 16,-7-3 1-16,4 1-1 15,-6 0 1-15,3-1 1 16,-5 1-2-16,2 2 0 15,-4 0 0-15,4 2 1 16,-4 0-1-16,6-1 0 16,0 0 0-16,6-1 0 15,-1 0 0-15,3-1 0 16,-4 1 1-16,1-1 0 16,-7 1 0-16,1 0 0 15,-6 0-1-15,1 0 0 16,-5 0-1-16,3-2 0 0,-3 2 0 15,5-1 2 1,-2 0-1-16,4 1 0 0,-3 1-1 16,3 2 0-16,-3-1 0 15,2 1 1-15,-2 2 0 16,0-2 2-16,-6 0-1 16,1 0 1-16,-4-2-1 15,-3 1 0-15,-2-1-1 16,0 0 1-16,-4-1 0 15,1 1-1-15,-1 0 1 0,1 0 1 16,-2-1 0-16,-5 0 29 16,0-1 11-16,0 1 19 15,0 0 7-15,0 0 15 16,0 0-23-16,0 0-7 16,0-1-17-16,0 1-7 15,0-1-15-15,0 1-6 16,0 0-5-16,0 0-5 15,0 0-8-15,0 0-139 16,0 0-85-16,0 0-25 16</inkml:trace>
   <inkml:trace contextRef="#ctx0" brushRef="#br0" timeOffset="65818.5">13170 12166 409 0,'7'-1'131'16,"-7"0"14"-16,0 0-109 15,0 0-55-15,0-1-8 16,0 1 0-16,0 0 1 0,0 0 11 16,0 0 9-16,0 1 8 15,0-1 0-15,0 1-2 16,0-1 1-16,0 1-1 16,1-2-1-16,1 2 1 15,-1-1 0-15,3 0 0 16,8-1 0-16,-1-1 0 15,4 1 0-15,35-6-1 0,-28 6 1 16,-3 1-1-16,8 1 1 16,-2 0 0-16,5 0 0 15,-2-2 0-15,4 1 0 16,-4-1 0-16,2 0 1 16,-5-1-1-16,2 0 3 15,-4 2-1-15,2 0 3 16,-3-2 0-16,7 2 3 15,-4 1-1-15,6-2 1 16,-2 2-3-16,4 0 0 16,-7 0-3-16,4 2 0 15,-3 0-1-15,6 0 1 16,-4 0-1-16,7-1 0 16,-4 0 0-16,5-1 1 15,-7 1-2-15,5-1 0 16,-3 2 0-16,2-1 0 0,-5 0 0 15,3 0 1-15,-4 1-1 16,-2-2 1-16,0 0-1 16,0-1 1-16,0-1 0 15,6-4 1-15,0 1 1 16,5 1 0-16,1-2-1 16,4 3 1-16,-5 2-2 15,2-1 1-15,-3 2-2 16,0 2 2-16,-3-2-1 15,0-3 1-15,-3 2-1 0,6-2 1 16,-4-1-2-16,5 1 1 16,-5 0-1-16,4 2 0 15,-5 1 0-15,3 0 1 16,-8 1 0-16,6 2 0 16,-4-2 0-16,3 0 0 15,-1-1 0-15,2-1 1 16,-2 0-1-16,4 0 1 15,-5-3-1-15,1 2 1 16,-3 2-2-16,3 0 1 16,-4 1-1-16,4 2 1 15,-5 0-1-15,6 1 1 16,-3 0-2-16,8 2 2 0,-4-4-1 16,5 2 1-16,-4-1-1 15,2-1 1-15,-6-1 0 16,3 1 0-16,-6 1-1 15,5 1 0-15,-3 1-1 16,4 1 1-16,-4-2 0 16,7 2 1-16,-7-4-1 15,11 1 1-15,-3-2-1 0,8 0 0 16,-6 0 0-16,5 2 1 16,-7-1 0-16,1 0-1 15,-6-1 1-15,3 0 1 16,1-1-2-16,2 0 0 15,-2 2 0-15,5-2 0 16,-3 0 0-16,6 0 1 16,-1 1-1-16,3 1 0 15,-4 2 1-15,4-1 0 16,-6 0 0-16,4 2 0 16,-6-3 0-16,5 2 0 15,-7-2-1-15,4 0 2 16,-5-2 0-16,5 3 8 15,-4-2 2-15,5-1 3 16,-7 0-1-16,2 0 0 16,-6 0-7-16,8-1-2 0,-4 0-1 15,9 1 0-15,-4-2 0 16,7 1 0-16,-6 2-1 16,2-2 1-16,-5-1 6 15,7 0 7-15,-9-2 3 16,2-2 1-16,-2 2-1 15,5-3-4-15,-3 1-6 16,6-1-2-16,1 1-2 0,10 1-1 16,-5 1-2-16,15 1 0 15,-7 3-5-15,10-1 3 16,-7-1-1-16,5-2 1 16,-10-2-1-16,9-5 4 15,-8-2-3-15,4 0 1 16,-11 3 0-16,5 1-1 15,-11 4-1-15,3 2 1 16,-7 1-1-16,5 2 0 16,-3 2 0-16,8-5 0 15,-3 1 1-15,7-2-1 16,-4 0 1-16,5-3-1 16,-7 0 1-16,3-2 2 15,-10 0-1-15,-1-2-1 16,-6 3 0-16,3 2 1 15,-6 3-1-15,7-2 0 16,-3 2-1-16,8-3 2 0,0 1-2 16,4 0 0-16,-8 0 0 15,4-1 0-15,-9 4 0 16,5 0 0-16,-3-1 0 16,5 3 0-16,-2 3 0 15,9-2 1-15,-4-1 0 16,4 1 1-16,-4-1-2 15,2-1 3-15,-8-1 1 0,3 0 1 16,-8 1 1-16,6-2 2 16,-2 0-2-16,6 2-1 15,-4 1-3-15,8-2-1 16,-6 3-1-16,8-2-1 16,-4 0 1-16,2-4 2 15,-9 4 0-15,0-2 2 16,-9-1 0-16,3 2 1 15,-2 1-2-15,4 0 0 16,0-2-2-16,5 2 0 16,-4-1 0-16,5 0 1 15,-7-2-2-15,2 4 3 16,-3 0 1-16,2 2 5 0,-3 1 0 16,2 0 2-1,-1 2-2-15,2-4-2 0,-5 0-4 16,0-1-1-16,-3 2-1 15,-1-3 1-15,-2 4-2 16,1-2 3-16,0 1 2 16,4-1 0-16,1 4 0 15,3-4 1-15,0 1-3 16,-1 0-1-16,-2 2 1 16,1-4 2-16,-6 2 6 0,2-1 21 15,-5 2 4-15,2-3-1 16,-1 2-3-16,4-1-5 15,-2 0-21-15,3-2-3 16,-1 2 1-16,5-1 0 16,-6 1 2-16,4 2 6 15,-1-4 1-15,3-2 0 16,-2 1-1-16,4-3-2 16,-4-2-6-16,2 5-1 15,-5-1-2-15,1 0 1 16,-3 1-1-16,3 4 2 15,-5-4 0-15,3 2 0 16,-5 2 0-16,3 0 0 16,-4-4 0-16,5 0 5 15,-1 2 4-15,4-3 1 16,-1-2 0-16,4 3 1 0,-4-1-6 16,0 0-3-1,-3 0 1-15,-2 0 6 0,-8 2 5 16,0 1 9-16,-5-1 2 15,-2-1 4-15,-1 2-7 16,-3 0-3-16,0-2-9 16,0 1-1-16,0 1-4 0,0 0 1 15,2 0-1-15,-1 0 0 16,0 0-3-16,0 0-1 16,0 0-5-16,0 0-57 15,0 0-74-15,-1 0-220 16,0-1-7-16</inkml:trace>
@@ -167,10 +175,10 @@
   <inkml:trace contextRef="#ctx0" brushRef="#br0" timeOffset="117106.836">10420 12506 230 0,'-48'-15'285'0,"37"14"-67"15,0 0-15-15,2-1-98 16,0 2-50-16,-1-3-43 16,-1 3-9-16,2 0-4 15,2-1-4-15,0 2 0 16,0 4-9-16,-1 1-5 15,-3 5-3-15,-2 3 2 16,1 0 1-16,3 0 9 16,0 2 2-16,4-1 4 0,-2 5-1 15,2 1 1-15,-3 9 1 16,0-1 2-16,0 5-1 16,2-5 0-16,1-3-1 15,2-6 1-15,2-1-3 16,1-5 1-16,1 3-1 15,2-3 2-15,2 0-2 16,-2-2 1-16,3 5-2 16,1-6 1-16,0 7-3 15,2-1 1-15,1 4 1 16,2-4 1-16,1 3 1 16,-1-3 3-16,2 0 0 15,0-3 1-15,1 2-1 16,0-4 1-16,2 2-1 15,-1-3 0-15,4 1 0 16,-2-3 0-16,4 1 2 16,-3-4 0-16,0 1 4 15,-5-4 2-15,-2-2 8 16,-5 1 10-16,-3-1 33 0,-3-1 17 16,-1 0 27-16,0 0 0 15,0 0-1-15,0 0-33 16,-1 0-20-16,0-1-28 15,1 1-28-15,0 0-47 16,0-2-169-16,0 2-82 0,0 0-66 16</inkml:trace>
   <inkml:trace contextRef="#ctx0" brushRef="#br0" timeOffset="118163.501">13525 12468 601 0,'-1'-1'306'0,"0"0"-25"16,0 0-157-16,0 0-118 15,0 0-84-15,-2-1-77 16,2 1-19-16,0 0 10 16,0 0 53-16,0 0 36 15,0 0 71-15,-1-1 19 16,1 1 2-16,0 0 14 16,1 0 2-16,1 0-1 15,7-1-2-15,24-1 7 16,33 6-17-16,-26 5-6 15,1 3-6-15,-1 6-2 16,-5 6-11-16,3 6 0 16,-9 0-1-16,-2 9 2 0,-5 0 1 15,-1 12 1 1,-7-5 1-16,-4 7-2 16,-5-7 0-16,-6 3-1 0,-6-11 2 15,-5 1 1-15,1-7 2 16,-5-4 4-16,5-8 2 15,0-4 5-15,4-6 4 0,2-1 10 16,3-4 0-16,0-1 2 16,1 0-3-16,1-3-6 15,0 0-9-15,0 0-16 16,0 0-30-16,0 0-152 16,-2 0 28-16</inkml:trace>
   <inkml:trace contextRef="#ctx0" brushRef="#br0" timeOffset="119336.322">10737 12830 461 0,'-5'6'277'0,"0"-5"-45"15,1-5-89-15,3 2-196 16,0 1-58-16,-1 0-8 16,1 0 6-16,0 0 39 15,0 1 50-15,-1 0 58 16,-1 0 8-16,1 0-5 0,1 0-13 16,0 0-20-16,0 0-11 15,-1 1-5-15,1 2-1 16,1 9 5-16,3 3-3 15,-1-6 3-15,24 37-2 16,-15-38 1-16,0 0-1 16,0-3 4-16,-1 0 2 15,-1-5 3-15,3-2 1 16,-3 0 3-16,0-2 3 16,0-2 2-16,0-1 6 15,-4 1 4-15,1-1 9 16,-3 0 7-16,0-2 30 15,-3 1-2-15,-3-4-2 16,-1 2-10-16,-1-3 9 16,1 5-21-16,-2-3 5 15,0 3 0-15,-2 0-10 16,0 2-22-16,-6-1-25 16,0 4-18-16,-3-1-3 0,-1 3 12 15,-1 2 17-15,5-1 20 16,2 0 12-16,4 0 1 15,1 0-9-15,3 2-18 16,-2 4-21-16,1 5-9 16,-1 7-2-16,0 2 4 15,0 3 2-15,2-1 15 16,1 1 3-16,1-5 3 0,2 5-1 16,0-2 1-16,4 2 1 15,1-1 1-15,2-1-3 16,2-4 1-16,3-1-17 15,0-4 0-15,5-7-1 16,0-1 2-16,5-3 3 16,-1-3 17-16,4-4 1 15,1-2 4-15,2-4 1 16,-1 1 0-16,-3-3 0 16,-3 2-1-16,-3 2-3 15,-4 2 0-15,0 0-31 16,-4 2-19-16,1 0-123 15,-4 3-16-15,0 3-55 16</inkml:trace>
-  <inkml:trace contextRef="#ctx0" brushRef="#br0" timeOffset="119661.452">11255 12685 501 0,'9'3'277'16,"-8"0"-27"-16,0-3-94 15,-1 0-139-15,0 0-43 16,-1 0-18-16,0 0-6 16,-1 1 8-16,1 2 9 15,-7 17 27-15,-16 40 2 16,15-38 2-16,-2 9 0 15,1-6 1-15,-3 11 0 16,1 0 1-16,-2 8-1 16,1-7 1-16,2 3-13 15,0-8-19-15,3 2-38 16,1-11-24-16,-1 2-104 16,-1-5 2-16</inkml:trace>
+  <inkml:trace contextRef="#ctx0" brushRef="#br0" timeOffset="119661.451">11255 12685 501 0,'9'3'277'16,"-8"0"-27"-16,0-3-94 15,-1 0-139-15,0 0-43 16,-1 0-18-16,0 0-6 16,-1 1 8-16,1 2 9 15,-7 17 27-15,-16 40 2 16,15-38 2-16,-2 9 0 15,1-6 1-15,-3 11 0 16,1 0 1-16,-2 8-1 16,1-7 1-16,2 3-13 15,0-8-19-15,3 2-38 16,1-11-24-16,-1 2-104 16,-1-5 2-16</inkml:trace>
   <inkml:trace contextRef="#ctx0" brushRef="#br0" timeOffset="120008.969">11051 12861 483 0,'-1'10'126'16,"1"-9"22"-16,4 0-129 0,4 5-32 15,0 2 0-15,6 3 4 16,1 2 9-16,2 3 0 16,-2-3 1-16,2 1-1 15,-2-4 0-15,1 5-1 16,-1-2 2-16,1 2-1 16,-2-3 1-16,4 3 0 15,-5-2 1-15,4 0-1 16,-2-3 1-16,2 0-1 15,-3-1 1-15,2-4-2 16,-5 0-6-16,1 1-55 16,-3-2-47-16,-1 1-43 15,-3-2-56-15</inkml:trace>
   <inkml:trace contextRef="#ctx0" brushRef="#br0" timeOffset="120408.898">11506 12691 419 0,'1'2'136'0,"-1"-2"26"0,0 0-114 16,0 0-30-16,-1 0-6 16,-1 0-12-16,1 0-3 15,0 0 6-15,-1 0 20 16,0 1 16-16,-1 0 18 15,0 1 2-15,-3 0-6 16,3-1-22-16,-1 0-18 16,0 12-19-16,-11 9-4 15,-12 37 2-15,26-28-3 16,2-3 3-16,4 7-3 16,3-5 1-16,3 5 0 15,1-4 2-15,3 1 0 16,1-7 5-16,5-3-2 15,-2-6 0-15,2-3 1 16,-3-6 1-16,1-3-2 16,-4-4 1-16,1-4-2 15,0-3 1-15,4-8-29 0,-2-4-27 16,3-9-75-16,-4-2-50 16,-3-6-36-16</inkml:trace>
-  <inkml:trace contextRef="#ctx0" brushRef="#br0" timeOffset="121559.903">11724 12727 99 0,'-11'-41'182'16,"-2"3"-17"-16,4 12 19 0,0 4-18 16,3 9-39-16,0 4 0 15,4 4-45-15,-1 2-13 16,0-1-29-16,2 3 1 16,0 0-8-16,0 0-3 15,0 0-12-15,0 1-12 16,0 0-15-16,1 0-16 15,0 0-7-15,0 0-3 16,0 0 7-16,0 1 3 16,3 6 13-16,10 17 7 15,22 37 4-15,-15-28 1 16,0 2 0-16,3 7 1 16,-1-6 0-16,3 1-2 15,-4-9-3-15,-2 0-26 16,-5-9-18-16,0 1-54 15,-5-6-22-15,-2-3-79 16,0-5 8-16,-2-4 23 0,-3-6 63 16,-2 3 52-16,0-1 102 15,0 0 67-15,0 0 9 16,0-10 24-16,0 5-18 16,0-2-21-16,-1 1-47 15,0-5-17-15,-1 4-33 16,0-1-6-16,1 2-2 0,0 0 0 15,0 5-1-15,0 1 0 16,-1 0 0-16,1-1 8 16,0 1 5-16,0 0 0 15,1-1-3-15,-1 1-14 16,1 0-11-16,0 1-8 16,0 0 2-16,0 1 4 15,1 0 11-15,1 1 6 16,12 8 0-16,8-4-4 15,37 40-1-15,-30-37-9 16,-2-6-5-16,6-3-4 16,-7-5 5-16,-2-2 1 15,-4-2 11-15,-4-2 17 16,-7 2 10-16,0-10 6 16,-2-1 0-16,0-5 1 15,-2-2-9-15,1 0 4 0,-4 8 8 16,0 4 26-1,-2 6 8-15,0 6 16 0,-1 1-5 16,-1 3-7-16,2-1-27 16,-1 1-21-16,1 0-23 15,-2 0-23-15,2 0-19 16,-1 0-26-16,0 0-1 16,0 1-9-16,0 1 8 0,0 0-9 15,0 7 11-15,1 1-14 16,1-1 14-16,3 0 1 15,1-1 21-15,10 0 15 16,45 31 25-16,-29-35-8 16,-2-3 1-16,5-5-1 15,-4-3-6-15,4-3-14 16,-5-5 2-16,8-9-9 16,-5-2 2-16,1-6-4 15,-6 2 15-15,-4 0 61 16,-9 9 51-16,-6 4 75 15,-6 8 33-15,-3 1 28 16,-1 1-42-16,-4-2-29 16,-1-2-75-16,-7-4-39 15,0 3-27-15,-3-2-7 0,0 3-13 16,-5 1-27 0,3 5 9-16,-3 0-26 0,0-1-17 15,-1 2 22-15,8 2 34 16,3-1 2-16,5 2 12 15,0 3-17-15,5 1-42 16,0-3-26-16,1 1 1 16,0 1 6-16,-2 9 28 15,-4 9 19-15,-8 32 16 0,15-30-31 16,0-2-17 0,2 4-47-16,2-4 3 0,1-1-36 15</inkml:trace>
+  <inkml:trace contextRef="#ctx0" brushRef="#br0" timeOffset="121559.902">11724 12727 99 0,'-11'-41'182'16,"-2"3"-17"-16,4 12 19 0,0 4-18 16,3 9-39-16,0 4 0 15,4 4-45-15,-1 2-13 16,0-1-29-16,2 3 1 16,0 0-8-16,0 0-3 15,0 0-12-15,0 1-12 16,0 0-15-16,1 0-16 15,0 0-7-15,0 0-3 16,0 0 7-16,0 1 3 16,3 6 13-16,10 17 7 15,22 37 4-15,-15-28 1 16,0 2 0-16,3 7 1 16,-1-6 0-16,3 1-2 15,-4-9-3-15,-2 0-26 16,-5-9-18-16,0 1-54 15,-5-6-22-15,-2-3-79 16,0-5 8-16,-2-4 23 0,-3-6 63 16,-2 3 52-16,0-1 102 15,0 0 67-15,0 0 9 16,0-10 24-16,0 5-18 16,0-2-21-16,-1 1-47 15,0-5-17-15,-1 4-33 16,0-1-6-16,1 2-2 0,0 0 0 15,0 5-1-15,0 1 0 16,-1 0 0-16,1-1 8 16,0 1 5-16,0 0 0 15,1-1-3-15,-1 1-14 16,1 0-11-16,0 1-8 16,0 0 2-16,0 1 4 15,1 0 11-15,1 1 6 16,12 8 0-16,8-4-4 15,37 40-1-15,-30-37-9 16,-2-6-5-16,6-3-4 16,-7-5 5-16,-2-2 1 15,-4-2 11-15,-4-2 17 16,-7 2 10-16,0-10 6 16,-2-1 0-16,0-5 1 15,-2-2-9-15,1 0 4 0,-4 8 8 16,0 4 26-1,-2 6 8-15,0 6 16 0,-1 1-5 16,-1 3-7-16,2-1-27 16,-1 1-21-16,1 0-23 15,-2 0-23-15,2 0-19 16,-1 0-26-16,0 0-1 16,0 1-9-16,0 1 8 0,0 0-9 15,0 7 11-15,1 1-14 16,1-1 14-16,3 0 1 15,1-1 21-15,10 0 15 16,45 31 25-16,-29-35-8 16,-2-3 1-16,5-5-1 15,-4-3-6-15,4-3-14 16,-5-5 2-16,8-9-9 16,-5-2 2-16,1-6-4 15,-6 2 15-15,-4 0 61 16,-9 9 51-16,-6 4 75 15,-6 8 33-15,-3 1 28 16,-1 1-42-16,-4-2-29 16,-1-2-75-16,-7-4-39 15,0 3-27-15,-3-2-7 0,0 3-13 16,-5 1-27 0,3 5 9-16,-3 0-26 0,0-1-17 15,-1 2 22-15,8 2 34 16,3-1 2-16,5 2 12 15,0 3-17-15,5 1-42 16,0-3-26-16,1 1 1 16,0 1 6-16,-2 9 28 15,-4 9 19-15,-8 32 16 0,15-30-31 16,0-2-17 0,2 4-47-16,2-4 3 0,1-1-36 15</inkml:trace>
   <inkml:trace contextRef="#ctx0" brushRef="#br0" timeOffset="121957.358">12496 12660 39 0,'36'-5'72'16,"-37"3"-10"-16,1-3-9 15,-3 1-47-15,2 2-33 16,0 1 13-16,0 0 52 15,0 0 24-15,-1 0 62 16,0 0 42-16,0-1-21 16,0 1-56-16,-1 0-19 0,1 0-35 15,0 0-36-15,-3 0-26 16,-5-2-3-16,-1 2 5 16,2 0 12-16,1 1 20 15,2 0 11-15,2 0-1 16,1 0-5-16,1 1-11 15,0 0-6-15,-9 13-1 16,1 8-1-16,-4 33 2 16,16-33-4-16,6-1 2 0,2 1-21 15,2-4 0-15,3 0 1 16,5-6-4-16,2 1-17 16,1-7-5-16,6-4-20 15,-3-6-22-15,7-7-37 16,-2-10 14-16,1-11-10 15</inkml:trace>
   <inkml:trace contextRef="#ctx0" brushRef="#br0" timeOffset="122260.959">12709 12305 283 0,'-23'-14'202'15,"5"3"-7"-15,2 4-63 0,8 5-23 16,2 1-29-1,3 1-56-15,2 1-6 0,0-1-7 16,1 0-3-16,-1-1-1 16,1 1-6-16,0 0-6 15,0 0-10-15,0 0-2 16,0 0-1-16,0 1 3 16,5 12 2-16,4 10 10 15,23 38 1-15,-16-32 1 0,5 8-1 16,-1 3 3-16,3 11-1 15,0 1 1-15,3 9 0 16,-4-4-16-16,0 4-38 16,-4-11-29-16,-3 1-89 15,-8-17-26-15,1-1-33 16</inkml:trace>
   <inkml:trace contextRef="#ctx0" brushRef="#br0" timeOffset="122517.277">13132 12931 625 0,'3'-5'176'0,"-3"2"1"15,0 3-316-15,0 0-78 16,0 0-78-16</inkml:trace>
@@ -178,7 +186,7 @@
   <inkml:trace contextRef="#ctx0" brushRef="#br0" timeOffset="123062.824">13114 12796 796 0,'-4'4'182'16,"3"-3"32"-16,0-1-284 15,0-1-117-15,1 1-32 16,-1 0 28-16,0 0 62 16,1 0 92-16,-1 0 113 0,-1 0 29 15,2 0-27-15,0 0-32 16,0 0-38-16,0 0-11 16,2 0-2-16,17-1 3 15,41-1 6-15,-30-2-1 16,-3 0 0-16,5-3-1 15,-5 1-2-15,5-2 1 16,-4 0 1-16,5 0-1 16,-7 1-1-16,1-1 2 15,-6 1-1-15,-3 2 1 16,-7 2 1-16,-1 2 1 16,-7 1 2-16,-1 0-2 15,-2-1-11-15,0 1-132 16,0 0 37-16</inkml:trace>
   <inkml:trace contextRef="#ctx0" brushRef="#br0" timeOffset="123825.777">13772 12662 205 0,'-2'-4'141'16,"3"4"-27"-16,-2 0-38 0,1 0-71 16,-1 0-19-16,1 0-7 15,0-1 2-15,0 1 12 16,0 0 9-16,-1 0 9 16,1 0 14-16,0 0 3 0,0 0 5 15,-2 0 3-15,2 0 7 16,-1 0-6-16,0 0-3 15,1 0-9-15,0 0-6 16,0 0-13-16,0 0-10 16,0 0-6-16,0 0-5 15,0 0 2-15,0 1 0 16,0 1 5-16,4 3 2 16,4 8 5-16,17-1 0 15,33 31 0-15,-28-37 2 16,-2-2 4-16,7-4 24 15,-5-5 7-15,5-2 14 16,-7-2 2-16,2-3 0 16,-8 3-23-16,-1 0-7 15,-7 3-13-15,-3 3-1 16,-6 2-2-16,-2-1-3 16,-1 2-6-16,-4 0-26 15,2 0-22-15,0 0-47 0,-1 0-41 16,0 0-58-16,0 0-14 15</inkml:trace>
   <inkml:trace contextRef="#ctx0" brushRef="#br0" timeOffset="124302.612">14110 12819 211 0,'6'3'68'0,"-2"1"5"15,4 3-48-15,7 2-32 16,40 16-2-16,-30-24-19 15,3-1 1-15,0-2 0 16,-2 1 1-16,-1-4 29 16,-2 1 35-16,3-2 19 15,-3-2 9-15,3 0 5 0,-2-1-23 16,5-1-11-16,-6 3-17 16,1-1-10-1,-6 3-7-15,-2-2 2 0,-7 4 1 16,-1 2 3-16,-2 0 0 15,-3 1 0-15,0 1-1 16,-3-2-2-16,0 1 0 16,0 0 1-16,0 0 2 0,0 0 0 15,0 0-1-15,0 0-1 16,0 0-4-16,0 0-27 16,0 0-45-16,0 0-73 15,0 0-15-15</inkml:trace>
-  <inkml:trace contextRef="#ctx0" brushRef="#br0" timeOffset="124844.413">14831 12935 283 0,'-3'-2'72'16,"4"1"11"-16,4 0-77 16,-5-1-14-16,1 1-3 15,9 0 0-15,14-1 10 0,35 1-1 16,-38 0 1-1,2 2 0-15,-3 0 4 0,3-2 1 16,-2-2 1-16,2 2 7 16,-2 0 7-16,2-5 7 15,-6 4 3-15,1-3 10 16,-4 2-3-16,0-3 4 16,-5 4-6-16,2-2-3 15,0 3-12-15,1-2-3 16,1 4-10-16,4-2-4 15,-4-2-2-15,0 2 0 16,-2 0 1-16,-5-1 1 16,0 1 5-16,-4 1 56 15,-2 0 18-15,0 0 16 16,0 0 2-16,0 0-5 16,0 0-57-16,0 0-25 15,0 0-26-15,0 0-42 16,0 0-22-16,0 0-37 15,0 0-27-15,0 0-89 0,0 0 23 16</inkml:trace>
+  <inkml:trace contextRef="#ctx0" brushRef="#br0" timeOffset="124844.412">14831 12935 283 0,'-3'-2'72'16,"4"1"11"-16,4 0-77 16,-5-1-14-16,1 1-3 15,9 0 0-15,14-1 10 0,35 1-1 16,-38 0 1-1,2 2 0-15,-3 0 4 0,3-2 1 16,-2-2 1-16,2 2 7 16,-2 0 7-16,2-5 7 15,-6 4 3-15,1-3 10 16,-4 2-3-16,0-3 4 16,-5 4-6-16,2-2-3 15,0 3-12-15,1-2-3 16,1 4-10-16,4-2-4 15,-4-2-2-15,0 2 0 16,-2 0 1-16,-5-1 1 16,0 1 5-16,-4 1 56 15,-2 0 18-15,0 0 16 16,0 0 2-16,0 0-5 16,0 0-57-16,0 0-25 15,0 0-26-15,0 0-42 16,0 0-22-16,0 0-37 15,0 0-27-15,0 0-89 0,0 0 23 16</inkml:trace>
   <inkml:trace contextRef="#ctx0" brushRef="#br0" timeOffset="173250.436">8182 16664 482 0,'-7'4'279'0,"-1"-2"-23"16,3-3-110-16,1 0-66 16,3 0-60-16,-1 1-22 15,1-1-19-15,-1 1-13 16,0 0-2-16,-17 1-2 15,-2 2 13-15,-40 15 9 16,36-10 12-16,-2-4 17 16,8 2 6-16,-5 3-11 15,2 3-23-15,-7 8-29 16,0 5-17-16,-4 7-3 16,4 0 11-16,0 0 21 15,7-6 24-15,-1 3 7 16,6-8 4-16,1-1 3 15,4-1-2-15,3 2 0 0,5-4 0 16,2 9-1-16,1 2-2 16,2 1 1-16,3-5 2 15,-2 2-1-15,1-13 0 16,3 1-1-16,0-3-2 16,2 0-1-16,1 1-1 15,5 7 3-15,1-1 2 16,5 1 2-16,0 2 1 0,7 0 1 15,-2-6-2-15,9 4 0 16,-1-3-1-16,7 2 4 16,-3-5 3-16,3 0 7 15,-9-6 1-15,1 0 9 16,-8-4 0-16,-4-1 6 16,-5 0 3-16,-4-2 29 15,-6-1 11-15,-3 1 21 16,-2-1-5-16,0-1-7 15,-1 1-32-15,1 1-40 16,0-1-52-16,0 0-137 16,0 0-138-16,1 0-11 15,0-2-154-15</inkml:trace>
   <inkml:trace contextRef="#ctx0" brushRef="#br0" timeOffset="173819.129">13451 16895 447 0,'0'-4'143'0,"1"0"17"16,1 1-127-16,-2 2-79 15,1-2-53-15,8-9-63 16,3-13-40-16</inkml:trace>
   <inkml:trace contextRef="#ctx0" brushRef="#br0" timeOffset="174514.403">13592 16436 597 0,'10'2'116'0,"1"0"61"15,5 0-172-15,11 2-15 16,7 0 9-16,10 1 2 16,-2 1 0-16,1 2 2 15,-5-1 0-15,-1 1 2 16,-8-1 2-16,1 1 5 15,-6 0 2-15,2 1 4 16,-4 1 0-16,3 4 2 16,-3 1-6-16,2 6 0 15,-2 0-4-15,1 5-1 16,-3 0-4-16,0 5-1 16,0 0-2-16,-2 10 1 15,-1-3-2-15,-4 7 3 0,-3-2 0 16,-5-2 2-16,-5-7 1 15,-1 4 4-15,-3-6 0 16,-7 1 2-16,1-3-1 16,-7 1 6-16,-1-7-1 15,-5 4-1-15,1-2-3 16,-8 6-1-16,2-1-8 16,-9 11 0-16,3-3-2 15,-4 6 2-15,6-7-1 16,1-1 2-16,8-9 1 0,0-3 5 15,9-10 1-15,-1 2 0 16,3-2-2-16,-3 1-4 16,0 1-27-16,-7-1-109 15,-1 1-125-15,-10 10-16 16</inkml:trace>
@@ -192,12 +200,12 @@
   <inkml:trace contextRef="#ctx0" brushRef="#br0" timeOffset="179759.553">11905 17029 106 0,'-4'-24'241'16,"1"4"-28"-16,-1 13-1 0,1 3-27 15,0 3-71-15,-6 1-52 16,-7 2-81-16,-10 5-38 15,-1 1-5-15,-1 3 19 16,6 1 20-16,3 5 28 16,8 3 26-16,-4 10-6 15,2 0-20-15,-1 7-4 16,3-4-7-16,4-1-3 16,4-6 0-16,2-1-1 15,2-7 1-15,2-1-3 16,3-6-1-16,5-2-8 15,4-2-8-15,10-4-32 16,5-6-13-16,8-8-50 16,-3-7-37-16,-1-10 0 0,-10-1-31 15</inkml:trace>
   <inkml:trace contextRef="#ctx0" brushRef="#br0" timeOffset="179978.965">11922 17135 268 0,'1'-13'299'0,"-2"9"-51"15,0-1 0-15,1 5-98 16,0 0-33-16,-1-1-53 15,1 0-28-15,0 0-30 16,0 0-29-16,0 1-34 16,-2 0-32-16,2 0 6 15,0 4 3-15,2 20 20 0,9 40 25 16,1-33 31-16,5-3 4 16,4-9 0-16,7-2-1 15,4-4-10-15,4-8-23 16,-3-8-24-16,-1-12-48 15,-5-9-57-15,-8-22-28 16,-11-11-31-16</inkml:trace>
   <inkml:trace contextRef="#ctx0" brushRef="#br0" timeOffset="180245.253">12032 16577 690 0,'-5'1'280'0,"1"2"-4"15,4-2-185-15,0-1-58 16,0 0-50-16,0 1-3 16,4 25 1-16,12 47 3 0,-2-29 10 15,5 10 5-15,2-4 2 16,4 1 1-16,-2-3 0 16,4 7-1-16,-4-10 0 15,2 5-2-15,-2-4-9 16,6 6-39-16,-6-14-19 15,2-1-43-15,-6-11-20 0,-2-6-44 16,-5-15 5-16,1-14-22 16,-3-10-9-16</inkml:trace>
-  <inkml:trace contextRef="#ctx0" brushRef="#br0" timeOffset="180560.451">12475 16644 464 0,'-6'5'299'0,"1"0"-64"16,1 1-106-16,-7 11-77 15,-3 9-74-15,-3 13 3 16,-1 5 4-16,-1 5 1 16,4-5 6-16,1 0 4 15,1-9 3-15,-1-3 1 16,4-8-1-16,2-3 2 0,3-11-3 15,3-1-16-15,1-4-6 16,4-2-8-16,1-1-1 16,-4-2 0-16,0 0 17 15,2 0 7-15,19 3 7 16,46 13 2-16,-30-7 2 16,14 8-7-16,0 0-43 15,14 8-138-15,-2 3 25 16</inkml:trace>
-  <inkml:trace contextRef="#ctx0" brushRef="#br0" timeOffset="180765.863">13056 17210 935 0,'3'1'208'0,"-2"1"46"16,4-2-307-16,-3-1-62 15,5 0-41-15,24-2-133 16,37-8 33-16</inkml:trace>
+  <inkml:trace contextRef="#ctx0" brushRef="#br0" timeOffset="180560.45">12475 16644 464 0,'-6'5'299'0,"1"0"-64"16,1 1-106-16,-7 11-77 15,-3 9-74-15,-3 13 3 16,-1 5 4-16,-1 5 1 16,4-5 6-16,1 0 4 15,1-9 3-15,-1-3 1 16,4-8-1-16,2-3 2 0,3-11-3 15,3-1-16-15,1-4-6 16,4-2-8-16,1-1-1 16,-4-2 0-16,0 0 17 15,2 0 7-15,19 3 7 16,46 13 2-16,-30-7 2 16,14 8-7-16,0 0-43 15,14 8-138-15,-2 3 25 16</inkml:trace>
+  <inkml:trace contextRef="#ctx0" brushRef="#br0" timeOffset="180765.862">13056 17210 935 0,'3'1'208'0,"-2"1"46"16,4-2-307-16,-3-1-62 15,5 0-41-15,24-2-133 16,37-8 33-16</inkml:trace>
   <inkml:trace contextRef="#ctx0" brushRef="#br0" timeOffset="180996.245">12803 17015 981 0,'5'6'233'0,"-5"-6"43"15,4-1-343-15,-4 0-86 16,1-2-17-16,30-1-105 16,46-55 0-16,-24 30 26 15</inkml:trace>
   <inkml:trace contextRef="#ctx0" brushRef="#br0" timeOffset="181244.582">13508 16714 456 0,'-21'43'272'16,"18"-42"-82"-16,3-2-133 0,-1 3-234 16,0-2-49-16</inkml:trace>
-  <inkml:trace contextRef="#ctx0" brushRef="#br0" timeOffset="181507.88">13454 16779 255 0,'-5'6'64'0,"-3"5"19"16,-1 3-74-16,-19 41-10 15,24-32-2-15,-1 5-1 16,5-6 2-16,1 3 2 16,4-2 1-16,3 4 4 15,4-2 0-15,5 5 0 16,1-4 1-16,8 0 2 16,-1-7 0-16,10-4 8 15,-2-7 2-15,4-5 2 16,-1-2-2-16,-1 0-2 15,-7-3-8-15,-3 2-3 0,-5-1-6 16,-3 0-13-16,-3-3-24 16,-3 0-71-16,1-3 4 15</inkml:trace>
-  <inkml:trace contextRef="#ctx0" brushRef="#br0" timeOffset="182941.35">13924 16752 273 0,'5'-38'270'15,"-6"37"-74"-15,-4 2-15 0,-3 2-157 16,7-3-132-16,-1 0-21 16,-12 4 40-16,-3 3 14 15,-33 23 26-15,41-13 104 16,2 9 13-16,0 3-40 16,3 7-14-16,1 0-10 15,4 1-2-15,4-9-4 0,1-2 0 16,0-7 3-16,3-4 1 15,-1-5 2-15,2-2 0 16,0-3-1-16,5-5-1 16,0-5 0-16,6-5 2 15,1-4-2-15,6-9 0 16,-3 0 0-16,4-5-8 16,-7 3-7-16,-3-3 1 15,-7 10 5-15,-3 3 28 16,-5 7 25-16,-3 2 16 15,-4 5 5-15,-2-5 5 16,-6 0-26-16,-10-4-31 16,-4-3-39-16,-6-1-16 15,6 4-8-15,0 0 4 0,13 5 11 16,3 3 21-16,7 3 1 16,-1 2-9-16,2 4-8 15,0-7 1-15,1 1 7 16,3 17 8-16,4 2 7 15,26 36 5-15,-13-39 0 16,5-1 2-16,0-6 1 16,2-1-2-16,-3-5-1 15,3-4-3-15,-5-4-1 0,1-9-6 16,-3-3-6-16,0-12-25 16,-4-2-22-16,-1-9-29 15,-7 5 21-15,-2 6 94 16,-2 9 66-16,-3 7 70 15,-2 8 41-15,1 3-6 16,1 0-84-16,-1 1-45 16,0 0-51-16,0 0-25 15,0 0-21-15,0 0-7 16,0 1 5-16,3 13 5 16,10 21 15-16,11 44 11 15,-11-38 4-15,0 3 2 16,-5-14-1-16,-3-7 2 15,1-9 0-15,-2-5 3 16,-3-8 1-16,1-1 0 16,-1-1 0-16,-1 1 3 0,-1-1 0 15,0 0 6-15,0 0 1 16,1 0 2-16,0 0-3 16,0-1-2-16,0 0-6 15,0 0-2-15,2-10-2 16,3 0-1-16,-3 3-3 15,1 1 0-15,0 3-1 16,0 0-8-16,10-5-8 16,3 0-8-16,36-5-4 0,-32 22-6 15,-2 1 6-15,0 5 6 16,-5-5 9-16,-3 3 5 16,-4-7 6-16,-1 1 2 15,-2-3-1-15,-3-2-3 16,0 0-7-16,1-1-15 15,1 0 0-15,7-5 1 16,5 0-2-16,3-31-23 16,34-38 9-16,-35 32 3 15,-2 6 7-15,-2 7 50 16,-4 14 51-16,-1 4 43 16,-3 10 13-16,-2-1 11 15,-3 3-41-15,1 0-23 16,0 0-43-16,0 0-16 0,0 0-20 15,1 2-2-15,8 11 3 16,-1 19 3-16,42 34 2 16,-34-29 1-16,-3-6 0 15,-2-1-1-15,-3-5-18 16,0-2-59-16,-3-7-40 16,3-2-109-16,3-6-60 15,2-5-37-15</inkml:trace>
+  <inkml:trace contextRef="#ctx0" brushRef="#br0" timeOffset="181507.879">13454 16779 255 0,'-5'6'64'0,"-3"5"19"16,-1 3-74-16,-19 41-10 15,24-32-2-15,-1 5-1 16,5-6 2-16,1 3 2 16,4-2 1-16,3 4 4 15,4-2 0-15,5 5 0 16,1-4 1-16,8 0 2 16,-1-7 0-16,10-4 8 15,-2-7 2-15,4-5 2 16,-1-2-2-16,-1 0-2 15,-7-3-8-15,-3 2-3 0,-5-1-6 16,-3 0-13-16,-3-3-24 16,-3 0-71-16,1-3 4 15</inkml:trace>
+  <inkml:trace contextRef="#ctx0" brushRef="#br0" timeOffset="182941.349">13924 16752 273 0,'5'-38'270'15,"-6"37"-74"-15,-4 2-15 0,-3 2-157 16,7-3-132-16,-1 0-21 16,-12 4 40-16,-3 3 14 15,-33 23 26-15,41-13 104 16,2 9 13-16,0 3-40 16,3 7-14-16,1 0-10 15,4 1-2-15,4-9-4 0,1-2 0 16,0-7 3-16,3-4 1 15,-1-5 2-15,2-2 0 16,0-3-1-16,5-5-1 16,0-5 0-16,6-5 2 15,1-4-2-15,6-9 0 16,-3 0 0-16,4-5-8 16,-7 3-7-16,-3-3 1 15,-7 10 5-15,-3 3 28 16,-5 7 25-16,-3 2 16 15,-4 5 5-15,-2-5 5 16,-6 0-26-16,-10-4-31 16,-4-3-39-16,-6-1-16 15,6 4-8-15,0 0 4 0,13 5 11 16,3 3 21-16,7 3 1 16,-1 2-9-16,2 4-8 15,0-7 1-15,1 1 7 16,3 17 8-16,4 2 7 15,26 36 5-15,-13-39 0 16,5-1 2-16,0-6 1 16,2-1-2-16,-3-5-1 15,3-4-3-15,-5-4-1 0,1-9-6 16,-3-3-6-16,0-12-25 16,-4-2-22-16,-1-9-29 15,-7 5 21-15,-2 6 94 16,-2 9 66-16,-3 7 70 15,-2 8 41-15,1 3-6 16,1 0-84-16,-1 1-45 16,0 0-51-16,0 0-25 15,0 0-21-15,0 0-7 16,0 1 5-16,3 13 5 16,10 21 15-16,11 44 11 15,-11-38 4-15,0 3 2 16,-5-14-1-16,-3-7 2 15,1-9 0-15,-2-5 3 16,-3-8 1-16,1-1 0 16,-1-1 0-16,-1 1 3 0,-1-1 0 15,0 0 6-15,0 0 1 16,1 0 2-16,0 0-3 16,0-1-2-16,0 0-6 15,0 0-2-15,2-10-2 16,3 0-1-16,-3 3-3 15,1 1 0-15,0 3-1 16,0 0-8-16,10-5-8 16,3 0-8-16,36-5-4 0,-32 22-6 15,-2 1 6-15,0 5 6 16,-5-5 9-16,-3 3 5 16,-4-7 6-16,-1 1 2 15,-2-3-1-15,-3-2-3 16,0 0-7-16,1-1-15 15,1 0 0-15,7-5 1 16,5 0-2-16,3-31-23 16,34-38 9-16,-35 32 3 15,-2 6 7-15,-2 7 50 16,-4 14 51-16,-1 4 43 16,-3 10 13-16,-2-1 11 15,-3 3-41-15,1 0-23 16,0 0-43-16,0 0-16 0,0 0-20 15,1 2-2-15,8 11 3 16,-1 19 3-16,42 34 2 16,-34-29 1-16,-3-6 0 15,-2-1-1-15,-3-5-18 16,0-2-59-16,-3-7-40 16,3-2-109-16,3-6-60 15,2-5-37-15</inkml:trace>
   <inkml:trace contextRef="#ctx0" brushRef="#br0" timeOffset="183126.872">15005 16749 611 0,'3'-8'364'0,"-3"5"-36"16,0 5-151-16,0-2-65 15,0 0-86-15,0 0-34 16,-1 0-28-16,1 0-23 15,0 0-6-15,0 0-11 16,0 0-4-16,0 0-77 16,0 0-63-16,0 0-42 15,0 0-87-15</inkml:trace>
   <inkml:trace contextRef="#ctx0" brushRef="#br0" timeOffset="183591.591">15247 16491 705 0,'-1'-2'231'0,"-1"2"17"16,-1 4-191-16,2-4-96 15,0 1-27-15,-11 30 2 16,-12 41 10-16,15-30 4 16,5-1 51-16,3 1 5 15,5-4-3-15,1 6 2 16,3-3-3-16,3-6 0 16,-1-6 0-16,2-7 4 15,-4-13 8-15,-1-4 20 16,-2-5 14-16,0-4 20 15,0 3-1-15,-5 0-8 16,0 0-20-16,1 0-17 16,3 0-25-16,9-3-29 15,-1 3-19-15,-1 2-29 0,33 21-5 16,-38 9-6-16,-9 4 21 16,-8 7 15-16,-6 0 24 15,-5 2 2-15,1-11-7 16,4 1-71-16,5-14-49 15,4-6-4-15,8-13-84 16</inkml:trace>
   <inkml:trace contextRef="#ctx0" brushRef="#br0" timeOffset="184025.435">15424 16919 94 0,'29'-23'147'0,"0"3"-23"15,-5 6-15-15,4-2-25 16,-1 3-41-16,7-3-14 15,-4 3-22-15,1-2 3 16,-8 4 1-16,-5 0 13 16,-6 6 19-16,-4-1 63 15,-7 5 14-15,-1-2 13 16,-1 2-8-16,0 0-18 16,0 1-63-16,1-1-19 15,0 1-14-15,-1-1-8 16,-1 0-5-16,1-1-16 15,0 1-13-15,0 0-41 16,0 0 0-16,0 1-28 0,-2 0-2 16,1 0 9-16,-14 7 50 15,1 1 8-15,-32 29 28 16,36-18 18-16,2 3 10 16,1 6-2-16,1-1 3 15,1 1 5-15,2-6-1 16,4 0-2-16,1-7-8 15,5 2-9-15,2-3-4 0,4 4-12 16,1-7-11-16,4-2-22 16,2-8-12-16,6-9-67 15,-2-10-68-15,13-13 1 16</inkml:trace>
@@ -268,9 +276,9 @@
   <inkml:trace contextRef="#ctx0" brushRef="#br0" timeOffset="926.521">8323 10121 429 0,'-17'-5'157'0,"-1"1"30"15,4 0-122-15,1 1-8 0,3-3-26 16,-1 3-16-16,4 0-16 16,-1 0-8-16,2 3-2 15,3 0-8-15,1 0-1 16,2 0-7-16,0-1-1 15,0 0-3-15,0 1 4 16,0 0 2-16,0 0 8 0,0 0 2 16,1 0 5-16,0 0 3 15,17 2 2-15,9 0 3 16,39 4 2-16,-27-7 1 16,2 0 2-16,7 0 0 15,-4 1 0-15,6 0 0 16,-6 1-1-16,7 1 1 15,-5-2-1-15,10 0 2 16,-4-1 0-16,7-1 0 16,-5-1-2-16,2 1 1 15,-9 0-2-15,2 2-1 16,-11 1 0-16,-1-1 2 16,-7 0-2-16,-2 1 2 15,-6-1 0-15,-1 0 2 16,-7 0 3-16,-3 0 12 15,-4-1 15-15,-2 1 28 0,-4 1 7 16,-1-2 10-16,0 1-11 16,-1 0-13-16,0 0-30 15,1 0-15-15,-1 0-29 16,0 0-88-16,-1 0-68 16,0 1-59-16,0 0-81 15</inkml:trace>
   <inkml:trace contextRef="#ctx0" brushRef="#br0" timeOffset="2185.154">10043 10167 671 0,'-25'-13'172'0,"7"0"53"16,4 3-207-16,5 5-33 16,4 2-40-16,4 1-57 15,2 3-18-15,-1-2 5 16,0 0 32-16,0 0 29 0,0 0 54 16,0-1 30-16,0 1 5 15,1 0 3-15,1 0-2 16,0 0-5-16,11-3-12 15,11 1-3-15,33-5-4 16,-24 7-2-16,1 2 0 16,12 0 0-16,-2 2 1 15,14 2 0-15,-4 2-1 0,4 1 1 16,-6-1-2-16,4 1 0 16,-11 1 0-16,7-1 0 15,-4 0 0-15,8 0 0 16,-3-1 1-16,8-2 0 15,-6-2 0-15,5 1 2 16,-8-3-1-16,1 0 0 16,-8-1 0-16,6 3-1 15,-9-2 0-15,10 2 2 16,-3 1 0-16,8-2 3 16,-8 0 1-16,10-2 1 15,-12-3-2-15,7 0-1 16,-9 0-3-16,10-3 0 15,-6 2-1-15,8 0 0 16,-6 1-2-16,7-1 1 16,-10 4 1-16,4-2 0 0,-7 1-1 15,8-3 7-15,-5 0 3 16,9-3 5-16,-4 1 4 16,8 3 1-16,-8 3-3 15,2 1-4-15,-11 1-6 16,1 1-3-16,-10-1-2 15,9-5 1-15,-3 3-1 0,13-1 1 16,-1-1 1-16,6-2 3 16,-10 1 0-16,-3-3 9 15,-14 2 1-15,-2-1 2 16,-9 0 0-16,3 3 0 16,-7 0-7-16,4 2-1 15,-6-1-2-15,0-1 16 16,-6 2 14-16,-2-1 23 15,-5 1 10-15,1 0 21 16,-3 0-12-16,0 0-8 16,0 0-25-16,0 0-8 15,0 0-21-15,0 0-6 16,0 0-9-16,0 0-18 16,0 0-38-16,0 0-177 15,0 0-60-15,1 0-74 16</inkml:trace>
   <inkml:trace contextRef="#ctx0" brushRef="#br0" timeOffset="4119.18">14631 10190 463 0,'-2'-1'100'16,"-7"-1"48"-16,-3-1-152 15,7 2-25-15,3 0-23 16,0 0-10-16,1 0-1 15,-1 1 10-15,2 0 32 16,0 0 21-16,2 0 6 16,-1 0 6-16,0 0 18 15,0 0 6-15,0 0 9 16,7 1-3-16,10 0-3 16,1-2-17-16,42-5-6 15,-32-1-9-15,7 2-2 0,-2 0-4 16,6 1-1-1,-3 4 1-15,6 3-1 0,-1-1 0 16,7 0 0-16,2 0 0 16,7-2 1-16,-5-3 0 15,7 2-2-15,-7 0 1 16,1 0-1-16,-8 1 0 16,6 1 0-16,-8 1 1 15,10-1 1-15,-4 3 0 0,7-1 1 16,-1 1 0-16,7-2 2 15,-8 2 0-15,9-3 0 16,-8 1 0-16,11 0 2 16,-8 3-1-16,8 1-1 15,-10-1-1-15,8 2 0 16,-11-1-2-16,5 0 0 16,-10-4-1-16,10 2 1 15,-9-1-1-15,6-1 1 16,-7 0 0-16,7 0 0 15,-9-2 1-15,9 0 0 16,-7-2 0-16,7 2 1 16,-9-2 1-16,3 4-2 15,-12-1 0-15,1 1 0 16,-10-1 0-16,-2 0 2 16,-6-1 3-16,2 0 9 15,-6 1 4-15,4-1 11 0,-1 0 3 16,1-1 7-16,-3-1-6 15,0 0 4-15,-6 1-10 16,-4-2 4-16,-3 2 0 16,-4 1 18-16,-1 0-3 15,0 0 1-15,0 0-8 16,0-1-8-16,0 1-24 0,0 0-7 16,0 0-7-16,0 0-18 15,0 0-12-15,0-1-77 16,1 0-80-16,25-4-65 15,38-7-65-15</inkml:trace>
-  <inkml:trace contextRef="#ctx0" brushRef="#br0" timeOffset="7204.93">20071 10222 594 0,'-13'-4'231'0,"1"-4"20"16,5 3-172-16,3 1-35 16,2 1-53-16,1 3-41 15,1 0-18-15,0 0-5 16,0-1 16-16,0 1 17 15,0 0 26-15,0 0 11 16,0 0 5-16,0 0-2 16,0 0-2-16,0-1-1 15,1 0-2-15,21-3 3 16,42-8 1-16,-23 5 1 16,0 0 0-16,6 1 0 15,-3 3-1-15,9-1 0 16,-5 4 0-16,9 0-2 0,-8 2 1 15,11 1 1-15,-5 0 1 16,8 1 0-16,-3-2 2 16,11 1 0-16,-9 2-1 15,5 0 0-15,-9-3 0 16,5 0 1-16,-9 1-1 16,6-5 0-16,-4 1-1 0,5 0 1 15,-7 1-1-15,4 0 1 16,-8 1 0-16,7 3 1 15,-8-3-2-15,6 1 2 16,-5-3 0-16,10 2-1 16,-9-2 1-16,3 0-1 15,-8 1-1-15,2 1 1 16,-14-1-2-16,7 1 6 16,-5-2 2-16,6 1 1 15,-4 0 0-15,6 1 0 16,-7 2-5-16,4 1-2 15,-6 0-1-15,3 0 0 16,-6 0 2-16,5-2 10 16,-10-3 2-16,8-2 3 15,-4 0 0-15,3-2-3 16,-8 2-10-16,5 0-1 0,-7 1-3 16,-4 0 0-16,-2 2 4 15,-2-1 0-15,-2 1 0 16,2-2 1-16,-5-1-2 15,3 1 2-15,-1-1-1 16,-1-1 2-16,-1 3-2 16,-2-1 1-16,-3 0-1 15,1 1-1-15,-4 1-1 16,-3 0 0-16,0 0-2 0,0 0 2 16,0 0-2-16,1-1 1 15,0 1 0-15,1-1 0 16,-1 1 1-16,6-1 1 15,1 1-1-15,2 0 1 16,1-1 0-16,-1 1 0 16,-2 0-1-16,5 0-1 15,-1 0 1-15,6 0 0 16,37 2 0-16,-27-4 1 16,-1-1-1-16,7 0 1 15,-4-1-2-15,2 2 1 16,-8-1 0-16,0 0 3 15,-6 1 1-15,1 1 3 16,-3-1-1-16,6 2 1 16,-1-3-4-16,8 2 0 0,1 0-3 15,7 0-2-15,-4 1 0 16,13 2-2-16,-3 0 0 16,1 2 0-16,-4-2 1 15,3-2 2-15,-10-2 1 16,6-3 1-16,1 0-2 15,10-4 3-15,1 0-2 0,6 1-1 16,-4 0 1-16,4-1 0 16,-9 3-2-16,9 3-6 15,-5-1 1-15,3 3 0 16,-6 1 3-16,2-2 3 16,-12-3 8-16,3-1 2 15,-2-1-2-15,5 1-2 16,-4-3-6-16,4 0-1 15,-5 3-1-15,4 0-1 16,-7 0 1-16,8 1 0 16,-3 2 1-16,2 2 1 15,-3 1-5-15,4-3 2 16,-8 3 0-16,0 3 0 16,-7-3 0-16,0 0 6 15,-7 0-1-15,4-3 0 16,2 1 1-16,3 3-1 0,-3-2-2 15,6 1 1-15,-4 1-2 16,2 1 1-16,-3-3 0 16,4 1 0-16,-4 3-4 15,2-1 2-15,-3-1-1 16,2 0 1-16,-2 3-1 16,-3-2 4-16,-4-2-2 15,6 1 1-15,-3 0-2 16,5 2 0-16,0-1 1 0,6 0 1 15,-3 3-1-15,3-1 2 16,-7-1-2-16,0-1 0 16,-7-2-1-16,1 1 1 15,-5-2-1-15,5 3 1 16,0 1-1-16,5 1 1 16,1 1-1-16,6 2 2 15,-1-1-1-15,2-1 2 16,-3 2 0-16,-2-4 0 15,-3 0-2-15,3 3 0 16,-1-2-1-16,2 1 0 16,-2 1-1-16,4 0 2 15,-3-5 0-15,7 2 1 16,-2-1-3-16,4 1 2 16,-3-2-1-16,3 2 2 15,-6 0-2-15,4 1 3 0,-3 2 2 16,10 0 5-16,-1 2-5 15,7 1 0-15,-7-1-1 16,2 0 0-16,-12-2-2 16,2-4 16-16,-4-2 0 15,8-1 4-15,-5-1-2 16,11 0-3-16,-4 0-12 16,3 1 0-16,-6 0-4 0,8-1 2 15,-4-1-1-15,5-2 2 16,-5 0-1-16,6-1 2 15,-9 2-1-15,3-1-1 16,-3 2-1-16,6 0 1 16,-3 1-2-16,2 1 0 15,-3 0 0-15,6-2 0 16,-6 2 0-16,12-1-8 16,-3 2 2-16,9-1 0 15,-8 1-1-15,1 0 1 16,-8 0 8-16,8-1 0 15,-5 2-1-15,12 1 2 16,-1-1-1-16,10-1 2 16,-6 3-17-16,7-1 7 15,-14-1-2-15,3-1 5 0,-15 0 3 16,1-2 20-16,-9-2-4 16,6 1 0-16,-1 0-4 15,5 0-5-15,-6 1-8 16,6-2 4-16,-7 2-2 15,1 1 1-15,-8 0-1 16,7 0 2-16,-4 1-2 16,3-4 0-16,-2 2-1 0,4-1 2 15,-8-1 0-15,2 0 2 16,-3 1 0-16,3-2 1 16,-1 1-3-16,9 0 1 15,-3-2-3-15,9 0 0 16,-4 2 0-16,5-1 1 15,-9 1-1-15,5 3 1 16,-7-2-1-16,9 2 0 16,-7 0 0-16,8 2 0 15,-4-3-1-15,6 3 1 16,-6 0-1-16,9 0 4 16,-5-4-1-16,3 4 4 15,-5-3 1-15,3-2 3 16,-8 2-2-16,8 1 2 15,-5-1-4-15,3 2 0 0,-6 0-5 16,4-2 1-16,-11 4-2 16,5-2 2-16,-5-2-2 15,5 4 3-15,-7-1-1 16,1-2 1-16,-7 2-2 16,1-2 2-16,-7 2-2 15,1-2 2-15,-1 2 0 16,3-1 3-16,-5 1-1 0,1 0 1 15,-3 2-2-15,-2 0 1 16,-7-3-3-16,0 0 8 16,-3 0 1-16,-4 0 7 15,0 0-2-15,0 0 1 16,0 0-7-16,0 0-5 16,0 0-9-16,0 0-23 15,0 0-26-15,0 0-119 16,0 0-145-16,-1 0-13 15</inkml:trace>
+  <inkml:trace contextRef="#ctx0" brushRef="#br0" timeOffset="7204.929">20071 10222 594 0,'-13'-4'231'0,"1"-4"20"16,5 3-172-16,3 1-35 16,2 1-53-16,1 3-41 15,1 0-18-15,0 0-5 16,0-1 16-16,0 1 17 15,0 0 26-15,0 0 11 16,0 0 5-16,0 0-2 16,0 0-2-16,0-1-1 15,1 0-2-15,21-3 3 16,42-8 1-16,-23 5 1 16,0 0 0-16,6 1 0 15,-3 3-1-15,9-1 0 16,-5 4 0-16,9 0-2 0,-8 2 1 15,11 1 1-15,-5 0 1 16,8 1 0-16,-3-2 2 16,11 1 0-16,-9 2-1 15,5 0 0-15,-9-3 0 16,5 0 1-16,-9 1-1 16,6-5 0-16,-4 1-1 0,5 0 1 15,-7 1-1-15,4 0 1 16,-8 1 0-16,7 3 1 15,-8-3-2-15,6 1 2 16,-5-3 0-16,10 2-1 16,-9-2 1-16,3 0-1 15,-8 1-1-15,2 1 1 16,-14-1-2-16,7 1 6 16,-5-2 2-16,6 1 1 15,-4 0 0-15,6 1 0 16,-7 2-5-16,4 1-2 15,-6 0-1-15,3 0 0 16,-6 0 2-16,5-2 10 16,-10-3 2-16,8-2 3 15,-4 0 0-15,3-2-3 16,-8 2-10-16,5 0-1 0,-7 1-3 16,-4 0 0-16,-2 2 4 15,-2-1 0-15,-2 1 0 16,2-2 1-16,-5-1-2 15,3 1 2-15,-1-1-1 16,-1-1 2-16,-1 3-2 16,-2-1 1-16,-3 0-1 15,1 1-1-15,-4 1-1 16,-3 0 0-16,0 0-2 0,0 0 2 16,0 0-2-16,1-1 1 15,0 1 0-15,1-1 0 16,-1 1 1-16,6-1 1 15,1 1-1-15,2 0 1 16,1-1 0-16,-1 1 0 16,-2 0-1-16,5 0-1 15,-1 0 1-15,6 0 0 16,37 2 0-16,-27-4 1 16,-1-1-1-16,7 0 1 15,-4-1-2-15,2 2 1 16,-8-1 0-16,0 0 3 15,-6 1 1-15,1 1 3 16,-3-1-1-16,6 2 1 16,-1-3-4-16,8 2 0 0,1 0-3 15,7 0-2-15,-4 1 0 16,13 2-2-16,-3 0 0 16,1 2 0-16,-4-2 1 15,3-2 2-15,-10-2 1 16,6-3 1-16,1 0-2 15,10-4 3-15,1 0-2 0,6 1-1 16,-4 0 1-16,4-1 0 16,-9 3-2-16,9 3-6 15,-5-1 1-15,3 3 0 16,-6 1 3-16,2-2 3 16,-12-3 8-16,3-1 2 15,-2-1-2-15,5 1-2 16,-4-3-6-16,4 0-1 15,-5 3-1-15,4 0-1 16,-7 0 1-16,8 1 0 16,-3 2 1-16,2 2 1 15,-3 1-5-15,4-3 2 16,-8 3 0-16,0 3 0 16,-7-3 0-16,0 0 6 15,-7 0-1-15,4-3 0 16,2 1 1-16,3 3-1 0,-3-2-2 15,6 1 1-15,-4 1-2 16,2 1 1-16,-3-3 0 16,4 1 0-16,-4 3-4 15,2-1 2-15,-3-1-1 16,2 0 1-16,-2 3-1 16,-3-2 4-16,-4-2-2 15,6 1 1-15,-3 0-2 16,5 2 0-16,0-1 1 0,6 0 1 15,-3 3-1-15,3-1 2 16,-7-1-2-16,0-1 0 16,-7-2-1-16,1 1 1 15,-5-2-1-15,5 3 1 16,0 1-1-16,5 1 1 16,1 1-1-16,6 2 2 15,-1-1-1-15,2-1 2 16,-3 2 0-16,-2-4 0 15,-3 0-2-15,3 3 0 16,-1-2-1-16,2 1 0 16,-2 1-1-16,4 0 2 15,-3-5 0-15,7 2 1 16,-2-1-3-16,4 1 2 16,-3-2-1-16,3 2 2 15,-6 0-2-15,4 1 3 0,-3 2 2 16,10 0 5-16,-1 2-5 15,7 1 0-15,-7-1-1 16,2 0 0-16,-12-2-2 16,2-4 16-16,-4-2 0 15,8-1 4-15,-5-1-2 16,11 0-3-16,-4 0-12 16,3 1 0-16,-6 0-4 0,8-1 2 15,-4-1-1-15,5-2 2 16,-5 0-1-16,6-1 2 15,-9 2-1-15,3-1-1 16,-3 2-1-16,6 0 1 16,-3 1-2-16,2 1 0 15,-3 0 0-15,6-2 0 16,-6 2 0-16,12-1-8 16,-3 2 2-16,9-1 0 15,-8 1-1-15,1 0 1 16,-8 0 8-16,8-1 0 15,-5 2-1-15,12 1 2 16,-1-1-1-16,10-1 2 16,-6 3-17-16,7-1 7 15,-14-1-2-15,3-1 5 0,-15 0 3 16,1-2 20-16,-9-2-4 16,6 1 0-16,-1 0-4 15,5 0-5-15,-6 1-8 16,6-2 4-16,-7 2-2 15,1 1 1-15,-8 0-1 16,7 0 2-16,-4 1-2 16,3-4 0-16,-2 2-1 0,4-1 2 15,-8-1 0-15,2 0 2 16,-3 1 0-16,3-2 1 16,-1 1-3-16,9 0 1 15,-3-2-3-15,9 0 0 16,-4 2 0-16,5-1 1 15,-9 1-1-15,5 3 1 16,-7-2-1-16,9 2 0 16,-7 0 0-16,8 2 0 15,-4-3-1-15,6 3 1 16,-6 0-1-16,9 0 4 16,-5-4-1-16,3 4 4 15,-5-3 1-15,3-2 3 16,-8 2-2-16,8 1 2 15,-5-1-4-15,3 2 0 0,-6 0-5 16,4-2 1-16,-11 4-2 16,5-2 2-16,-5-2-2 15,5 4 3-15,-7-1-1 16,1-2 1-16,-7 2-2 16,1-2 2-16,-7 2-2 15,1-2 2-15,-1 2 0 16,3-1 3-16,-5 1-1 0,1 0 1 15,-3 2-2-15,-2 0 1 16,-7-3-3-16,0 0 8 16,-3 0 1-16,-4 0 7 15,0 0-2-15,0 0 1 16,0 0-7-16,0 0-5 16,0 0-9-16,0 0-23 15,0 0-26-15,0 0-119 16,0 0-145-16,-1 0-13 15</inkml:trace>
   <inkml:trace contextRef="#ctx0" brushRef="#br0" timeOffset="9004.119">2866 10963 543 0,'-84'4'179'16,"59"-10"38"-16,-2 3-156 16,14 0-11-16,4 1-21 15,3 2-29-15,4 0-40 16,2-2-12-16,0 1-1 15,0 0 3-15,0 0 5 16,1-1 33-16,0 1 9 16,0 0 0-16,6-1-1 15,1-2-3-15,6-3 0 16,1 1 0-16,39-16 0 16,-33 14 2-16,8 1 1 15,-2-1 0-15,9 0 2 0,1-3 0 16,13 1 2-16,-2-1 0 15,16 1 1-15,-4 0-2 16,8 2 1-16,-6 2-4 16,4 2 1-16,-11 1-2 15,6 2 1-15,-6 1-2 16,7-3 4-16,-5 0-1 16,8-3 4-16,-12-1-2 15,7 0 3-15,-11 0-1 0,3 3-1 16,-7 2-1-16,9 2 1 15,-4 2 0-15,5 0 0 16,-6 2 1-16,6-3 1 16,-9-1-1-16,4 0 1 15,-8-1-1-15,2 1-1 16,-9 1-2-16,2 2 2 16,-10 0-1-16,3 1 1 15,-7 0 0-15,2-2 1 16,-8-1-1-16,-2 1 0 15,-4 0 0-15,1-2 2 16,-5 1 0-16,1 0 0 16,-1 0 0-16,-4 0 4 15,0 0 8-15,-3-1 43 16,0 0 19-16,0 0 37 0,0 0 12 16,0 0 15-16,0 0-37 15,0 0-11-15,0 0-35 16,0 0-14-16,0 0-24 15,0 0-8-15,0 0-11 16,0 0-73-16,0 0-227 16,0 0-25-16,1 0-137 15</inkml:trace>
-  <inkml:trace contextRef="#ctx0" brushRef="#br0" timeOffset="80966.903">13596 13356 320 0,'4'3'155'16,"-1"-5"-14"-16,-3 1-67 0,0 1-67 16,0-1-15-16,1 0 0 15,0 0 0-15,14-3 2 16,1 1 2-16,37-8 1 15,-36 10 1-15,2-1 1 16,-1-2 0-16,3 0 1 16,-1 1 0-16,2 0 0 15,-2 2-1-15,7 0 1 16,-1 3-1-16,8-1 1 16,-1 1 0-16,11 0 0 15,-2 1 0-15,5-2 0 16,-3 4 0-16,3-3-1 15,-8 2 0-15,4 1 1 16,-5 3 0-16,7-4 0 16,-4-1 1-16,10 5 1 0,-5-9-2 15,8-1 1-15,-5 2-1 16,4 3-2-16,-8-3 0 16,4 6 0-16,-7 1 1 15,5 1 0-15,-5-2 2 16,7 1-4-16,0-3 1 15,9 3 2-15,-2-3-2 16,7 3 2-16,-3-3 2 16,2 2 0-16,-6 0-2 15,5 2 1-15,-8-2-2 0,9 1 2 16,-3 1-1-16,7-3 0 16,-8-1 0-16,10-2 1 15,-10-3-1-15,8-1 0 16,-5-2 1-16,9 0-1 15,-1-1 1-15,10 0 0 16,-7 1 0-16,9-1 0 16,-13 4-1-16,6 2 0 15,-10 4-1-15,7 3 1 16,-11 0-1-16,11 0 1 16,-7-2-1-16,12 0 2 15,-7-5-2-15,12 2 1 16,-11-1 0-16,12 1 1 0,-12-2-1 15,10 1 1-15,-10-1 0 16,14-1 0-16,-11 2-1 16,9-4 1-16,-8 2 0 15,13-1 1-15,-13 0-1 16,14-2 2-16,-9 0 2 16,10-1 3-16,-11-1 4 15,12-1 6-15,-10 2-1 16,11 4 1-16,-13 2-4 15,11 4-3-15,-10 2-7 0,10 3-1 16,-8-3-1-16,9 2-1 16,-13-2 0-16,7-1 0 15,-9-4 1-15,8 1 1 16,-7-3 0-16,9-1 1 16,-7-3 0-16,10 1 0 15,-10 0-2-15,8 1 1 16,-7 0-1-16,6 3 0 15,-14 1-1-15,9 2 0 16,-10 1 0-16,5-1 2 16,-9 1 2-16,10 0 4 15,-11-1 1-15,1-1 2 16,-3-2-2-16,5 2-1 16,-8-3-5-16,9-1 1 15,-3-1-4-15,2 1 1 16,-12-1-1-16,7 2 0 0,-10 0-1 15,10 0 2-15,-2 0 0 16,15-1 0-16,-9-2 0 16,10-3 2-16,-8 0 1 15,10-5 5-15,-13 2 1 16,14 0 0-16,-9 3-2 16,6 0-2-16,-13 2-5 15,11 1-1-15,-13 2 0 0,11 0 1 16,-6 0-1-16,11 0 7 15,-12-2 5-15,11 0 5 16,-7-1 1-16,10-1 4 16,-7 0-7-16,10 2-5 15,-12 0-4-15,8 1 0 16,-13 1-4-16,8-3 0 16,-12 1 1-16,8-3 0 15,-10 2 2-15,5-2 13 16,-9 2 5-16,5-2 6 15,-7 2 1-15,7-3 2 16,-3-1-12-16,9 1-6 16,-8-1-6-16,8 3-1 15,-10-1-5-15,3-3 1 16,-12 1-1-16,1 3 9 0,-10-2 0 16,3 0 2-16,-5 3 0 15,4-2 1-15,-3 4-8 16,10-4 0-16,-2 2-3 15,7-1 0-15,-1 1-2 16,5-4 0-16,-8 1-2 16,2-1 2-16,-6 2-1 15,1-2 2-15,-7 1-1 0,-1 0-1 16,-5 1 0 0,-1 4-1-16,-4-1-2 15,4-3 1-15,0 4 1 0,10-3 0 16,-3-3 0-16,3 3-1 15,-1 1 0-15,3 0 1 16,-6 2-1-16,9-1 2 16,-3-3 1-16,6 4 0 15,-7-2-1-15,3 0 0 16,-7 1 0-16,9 0 0 16,-4-3-1-16,13 4 1 15,0-2-1-15,5 2 0 16,-9-1 0-16,2 1 0 15,-11 0 1-15,5 0-1 16,-9-1 0-16,9-2 0 16,-4 0 0-16,8 0 0 0,-3 2 0 15,5-3 0 1,-5 1 1-16,4-1 1 0,-7 0-1 16,9-2 1-16,-7 0-1 15,8 3-1-15,-4 0 1 16,4 2-2-16,-7 1 1 15,7-1-1-15,-9 0 2 0,11 2-1 16,-6-2 0-16,6 0 1 16,-9 1 0-16,7-2-1 15,-13 1 0-15,3-1 0 16,-6 1 0-16,4 2 0 16,-3 0 0-16,11 0 0 15,-2 3 1-15,6-3 1 16,-1 0 0-16,6 1 0 15,-10-2 0-15,8-2-1 16,-8 0-1-16,4 0 0 16,-4-1-1-16,6 1 1 15,-9 0 0-15,8 1 1 16,-8 1 1-16,6 0 0 16,-4 2 0-16,6 1 0 15,-3-2-1-15,14 0 0 16,-4-1-1-16,8-2 0 0,-4-1 1 15,1 1 0 1,-15-2 1-16,1 4 1 0,-13-1 0 16,5 2-2-16,-9-2 2 15,6 2-3-15,0-3 0 16,8 1 0-16,-11-3 1 16,7 0-1-16,-8 1 2 15,5 0 1-15,-6 2 1 16,9 1 0-16,-1 1 1 0,5 0-1 15,-9 0-2-15,8 1-1 16,-7 0 1-16,8-2-1 16,-5 2 8-16,0-2 6 15,-6 0 0-15,3 1 0 16,-11 0 1-16,11-2-9 16,-3 0-5-16,5-1-1 15,-6 0 0-15,7-2 0 16,-11-1 6-16,5 2 1 15,-2-1 0-15,5 2 2 16,-2-1-1-16,12 3-4 16,-1-1-2-16,8 0-1 15,-6 1-1-15,10-1 1 16,-10 1-2-16,3-3 2 0,-12 0 0 16,5-1 0-1,-14 1 4-15,3-2 1 0,-4 1-2 16,6 1 0-16,-4-1 1 15,3 0-5-15,-8 2 1 16,-1-2-1-16,-8 3 10 16,-4 1 8-16,-7 0 2 15,-2-1 5-15,-5 2 2 16,0 0-10-16,-1 0-7 0,-5 0-2 16,0 0-7-16,0 0-6 15,0 0-12-15,0 0-88 16,0 0-122-16,0 0-133 15,-2-1-79-15</inkml:trace>
+  <inkml:trace contextRef="#ctx0" brushRef="#br0" timeOffset="80966.902">13596 13356 320 0,'4'3'155'16,"-1"-5"-14"-16,-3 1-67 0,0 1-67 16,0-1-15-16,1 0 0 15,0 0 0-15,14-3 2 16,1 1 2-16,37-8 1 15,-36 10 1-15,2-1 1 16,-1-2 0-16,3 0 1 16,-1 1 0-16,2 0 0 15,-2 2-1-15,7 0 1 16,-1 3-1-16,8-1 1 16,-1 1 0-16,11 0 0 15,-2 1 0-15,5-2 0 16,-3 4 0-16,3-3-1 15,-8 2 0-15,4 1 1 16,-5 3 0-16,7-4 0 16,-4-1 1-16,10 5 1 0,-5-9-2 15,8-1 1-15,-5 2-1 16,4 3-2-16,-8-3 0 16,4 6 0-16,-7 1 1 15,5 1 0-15,-5-2 2 16,7 1-4-16,0-3 1 15,9 3 2-15,-2-3-2 16,7 3 2-16,-3-3 2 16,2 2 0-16,-6 0-2 15,5 2 1-15,-8-2-2 0,9 1 2 16,-3 1-1-16,7-3 0 16,-8-1 0-16,10-2 1 15,-10-3-1-15,8-1 0 16,-5-2 1-16,9 0-1 15,-1-1 1-15,10 0 0 16,-7 1 0-16,9-1 0 16,-13 4-1-16,6 2 0 15,-10 4-1-15,7 3 1 16,-11 0-1-16,11 0 1 16,-7-2-1-16,12 0 2 15,-7-5-2-15,12 2 1 16,-11-1 0-16,12 1 1 0,-12-2-1 15,10 1 1-15,-10-1 0 16,14-1 0-16,-11 2-1 16,9-4 1-16,-8 2 0 15,13-1 1-15,-13 0-1 16,14-2 2-16,-9 0 2 16,10-1 3-16,-11-1 4 15,12-1 6-15,-10 2-1 16,11 4 1-16,-13 2-4 15,11 4-3-15,-10 2-7 0,10 3-1 16,-8-3-1-16,9 2-1 16,-13-2 0-16,7-1 0 15,-9-4 1-15,8 1 1 16,-7-3 0-16,9-1 1 16,-7-3 0-16,10 1 0 15,-10 0-2-15,8 1 1 16,-7 0-1-16,6 3 0 15,-14 1-1-15,9 2 0 16,-10 1 0-16,5-1 2 16,-9 1 2-16,10 0 4 15,-11-1 1-15,1-1 2 16,-3-2-2-16,5 2-1 16,-8-3-5-16,9-1 1 15,-3-1-4-15,2 1 1 16,-12-1-1-16,7 2 0 0,-10 0-1 15,10 0 2-15,-2 0 0 16,15-1 0-16,-9-2 0 16,10-3 2-16,-8 0 1 15,10-5 5-15,-13 2 1 16,14 0 0-16,-9 3-2 16,6 0-2-16,-13 2-5 15,11 1-1-15,-13 2 0 0,11 0 1 16,-6 0-1-16,11 0 7 15,-12-2 5-15,11 0 5 16,-7-1 1-16,10-1 4 16,-7 0-7-16,10 2-5 15,-12 0-4-15,8 1 0 16,-13 1-4-16,8-3 0 16,-12 1 1-16,8-3 0 15,-10 2 2-15,5-2 13 16,-9 2 5-16,5-2 6 15,-7 2 1-15,7-3 2 16,-3-1-12-16,9 1-6 16,-8-1-6-16,8 3-1 15,-10-1-5-15,3-3 1 16,-12 1-1-16,1 3 9 0,-10-2 0 16,3 0 2-16,-5 3 0 15,4-2 1-15,-3 4-8 16,10-4 0-16,-2 2-3 15,7-1 0-15,-1 1-2 16,5-4 0-16,-8 1-2 16,2-1 2-16,-6 2-1 15,1-2 2-15,-7 1-1 0,-1 0-1 16,-5 1 0 0,-1 4-1-16,-4-1-2 15,4-3 1-15,0 4 1 0,10-3 0 16,-3-3 0-16,3 3-1 15,-1 1 0-15,3 0 1 16,-6 2-1-16,9-1 2 16,-3-3 1-16,6 4 0 15,-7-2-1-15,3 0 0 16,-7 1 0-16,9 0 0 16,-4-3-1-16,13 4 1 15,0-2-1-15,5 2 0 16,-9-1 0-16,2 1 0 15,-11 0 1-15,5 0-1 16,-9-1 0-16,9-2 0 16,-4 0 0-16,8 0 0 0,-3 2 0 15,5-3 0 1,-5 1 1-16,4-1 1 0,-7 0-1 16,9-2 1-16,-7 0-1 15,8 3-1-15,-4 0 1 16,4 2-2-16,-7 1 1 15,7-1-1-15,-9 0 2 0,11 2-1 16,-6-2 0-16,6 0 1 16,-9 1 0-16,7-2-1 15,-13 1 0-15,3-1 0 16,-6 1 0-16,4 2 0 16,-3 0 0-16,11 0 0 15,-2 3 1-15,6-3 1 16,-1 0 0-16,6 1 0 15,-10-2 0-15,8-2-1 16,-8 0-1-16,4 0 0 16,-4-1-1-16,6 1 1 15,-9 0 0-15,8 1 1 16,-8 1 1-16,6 0 0 16,-4 2 0-16,6 1 0 15,-3-2-1-15,14 0 0 16,-4-1-1-16,8-2 0 0,-4-1 1 15,1 1 0 1,-15-2 1-16,1 4 1 0,-13-1 0 16,5 2-2-16,-9-2 2 15,6 2-3-15,0-3 0 16,8 1 0-16,-11-3 1 16,7 0-1-16,-8 1 2 15,5 0 1-15,-6 2 1 16,9 1 0-16,-1 1 1 0,5 0-1 15,-9 0-2-15,8 1-1 16,-7 0 1-16,8-2-1 16,-5 2 8-16,0-2 6 15,-6 0 0-15,3 1 0 16,-11 0 1-16,11-2-9 16,-3 0-5-16,5-1-1 15,-6 0 0-15,7-2 0 16,-11-1 6-16,5 2 1 15,-2-1 0-15,5 2 2 16,-2-1-1-16,12 3-4 16,-1-1-2-16,8 0-1 15,-6 1-1-15,10-1 1 16,-10 1-2-16,3-3 2 0,-12 0 0 16,5-1 0-1,-14 1 4-15,3-2 1 0,-4 1-2 16,6 1 0-16,-4-1 1 15,3 0-5-15,-8 2 1 16,-1-2-1-16,-8 3 10 16,-4 1 8-16,-7 0 2 15,-2-1 5-15,-5 2 2 16,0 0-10-16,-1 0-7 0,-5 0-2 16,0 0-7-16,0 0-6 15,0 0-12-15,0 0-88 16,0 0-122-16,0 0-133 15,-2-1-79-15</inkml:trace>
   <inkml:trace contextRef="#ctx0" brushRef="#br0" timeOffset="82467.887">2677 13876 273 0,'-6'6'91'0,"-5"-5"14"16,-5 5-67-16,10-2-35 16,2 1-7-16,4-2-8 0,0-3-10 15,0 0-1-15,0 0 1 16,0 1 6-16,1 1 4 15,1-1 10-15,-1 0 3 16,0 0 3-16,0 0 1 16,0 0 0-16,0 1 3 15,1-1 1-15,-1-1 4 16,7 1 2-16,9 0 8 16,5-2 1-16,45-16 0 15,-34 2-4-15,9-2-4 16,-4 6-8-16,7-1-3 15,-4 8-5-15,7 4 0 16,-5 1-1-16,9-1 1 16,-3 3-1-16,6-2 1 15,-7-3 0-15,5 1 0 16,-9-4 1-16,2-1 2 16,-8 1 0-16,6 0 3 0,-7 3 1 15,7 3 2-15,-8 3-2 16,3 0 0-16,-9 4-2 15,2 0-1-15,-8 2-3 16,1-2 2-16,-5 1-1 16,-2-1 1-16,-5-2 0 15,-3-2 7-15,-6-3 33 16,-3-1 44-16,1 0 11 0,-4-1 13 16,2 0-5-16,0 1-33 15,0 0-46-15,0 0-59 16,0 0-94-16,0 0-117 15,2 2-36-15</inkml:trace>
 </inkml:ink>
 </file>
@@ -302,7 +310,7 @@
     </inkml:brush>
   </inkml:definitions>
   <inkml:trace contextRef="#ctx0" brushRef="#br0">24214 12522 421 0,'10'-16'334'0,"25"-29"-75"15,-36 43-60-15,1 0-177 0,-2 3-70 16,2-1-26-16,0 0-5 16,0 0 2-16,0-1 40 15,2 0 18-15,-1-1 21 16,15 0 1-16,-1 0 1 15,44-11 0-15,-33 10-2 16,12-4-2-16,2 1-3 16,20 1 1-16,0 3-1 0,14-4 0 15,-2 2 2-15,10 3 1 16,-11-1 1-16,9-1-1 16,-11 4 2-16,14 0-1 15,-10-2 2-15,14 0-2 16,-10 0 1-16,10 1-2 15,-17 1 0-15,3 4-1 16,-11 0 1-16,4 3-1 16,-11-2 2-16,13-1 0 15,-5-5 1-15,18-1-2 16,-1-2 1-16,13 2-2 16,-7 0 1-16,15 4 0 15,-11 0 1-15,17 1-1 16,-13-1 2-16,19 1-2 15,-9-4 2-15,16 0-2 16,-15-4 0-16,15-1 0 0,-16-2 0 16,12 4 0-16,-12-1 0 15,7-4 0-15,-13 5 0 16,16-3 0-16,-13 0 0 16,17-4 0-16,-8 4 1 15,16-2 0-15,-15 1-1 16,2-2 1-16,-19 7 0 0,12-2-1 15,-10-1 1 1,15 1 1-16,-1 0-1 0,15-3 0 16,-16 3 1-16,7-4-1 15,-23 0 3-15,6-3 7 16,-15 2 4-16,14-6 4 16,-9 1-2-16,13-1-1 15,-17 1-7-15,5-1-2 16,-23 4-1-16,-6-1 21 15,-16 4 7-15,-4 1 1 16,-12 4 1-16,2 1-5 16,-3-1-21-16,4 3-7 15,-2 2-3-15,-2 0-7 16,-5 0-16-16,-1 3-77 16,-4-1-85-16,4-1-57 15,1-2-80-15</inkml:trace>
-  <inkml:trace contextRef="#ctx0" brushRef="#br0" timeOffset="1240.683">2961 13130 333 0,'35'16'94'15,"-39"-15"24"-15,1-1-109 16,8 1 6-16,-5-1-11 15,1 0-11-15,7 2-1 0,21 6 6 16,47 11-2-16,-31-13 1 16,12-1 1-16,-1-3 2 15,12-1-2-15,-7-3 1 16,13-2 0-16,-4 0-1 16,14-1-1-16,-5 1 1 15,13 0 1-15,-10 3-3 16,11 4 2-16,-7 4-1 15</inkml:trace>
+  <inkml:trace contextRef="#ctx0" brushRef="#br0" timeOffset="1240.682">2961 13130 333 0,'35'16'94'15,"-39"-15"24"-15,1-1-109 16,8 1 6-16,-5-1-11 15,1 0-11-15,7 2-1 0,21 6 6 16,47 11-2-16,-31-13 1 16,12-1 1-16,-1-3 2 15,12-1-2-15,-7-3 1 16,13-2 0-16,-4 0-1 16,14-1-1-16,-5 1 1 15,13 0 1-15,-10 3-3 16,11 4 2-16,-7 4-1 15</inkml:trace>
   <inkml:trace contextRef="#ctx0" brushRef="#br0" timeOffset="1520.937">7723 14155 486 0,'37'-278'-310'0,"-11"143"156"0</inkml:trace>
 </inkml:ink>
 </file>
@@ -334,11 +342,361 @@
     </inkml:brush>
   </inkml:definitions>
   <inkml:trace contextRef="#ctx0" brushRef="#br0">17203 11371 328 0,'0'-3'109'16,"0"0"11"-16,2 1-81 15,-2 1-38-15,0-1-2 0,0 1-2 16,0 0 2-16,0 0 3 15,0 0 2-15,0 0-1 16,0-1 1-16,0 2-3 16,0 0-2-16,0 0-1 15,0 0-1-15,0 0 0 16,2-1 2-16,1 1 0 16,17-1 1-16,34 3-1 0,-28 0 0 15,0 3 0-15,5 1 0 16,-1 1 0-16,8 2 0 15,-2-1 0-15,7 2 2 16,-5-2-2-16,5 0 2 16,-4-4-1-16,6 4 1 15,-8-4-1-15,7 2 1 16,-4-2 0-16,8 0-1 16,-6-2 1-16,9-1 0 15,-4 0-1-15,5 0 0 16,-6-1 0-16,10-2 1 15,-7 2-1-15,5-3 1 16,-3 0-2-16,9 3 1 16,-7 3 0-16,6-2-1 15,-6 0 1-15,6 0 1 16,-9-2 1-16,8 0 2 16,-4-1 2-16,10-1 3 0,-7-3 2 15,10 1 3-15,-7-2 0 16,6 0 1-16,-9 0-3 15,9 0 2-15,-7 0-5 16,10 4 0-16,-6-2-4 16,8 3-1-16,-12-1-2 15,9 7 0-15,-12-2-1 0,8 4 1 16,-6-1-1-16,14 0 2 16,-8-2 0-16,11-1 1 15,-8-3 0-15,9 1 1 16,-11-4-1-16,9 4 0 15,-10-2-2-15,9 4 1 16,-12-1-2-16,6 4 1 16,-8 0-1-16,4-1 2 15,-9-1-2-15,11 0 1 16,-8 1 0-16,9-3 0 16,-7 2 1-16,8 1 2 15,-10-4-2-15,3 2 3 16,-4 0-2-16,8-2 1 15,-6 4-1-15,8-1 0 16,-4-3-1-16,5 0 1 16,-10-1 1-16,8-4 12 0,-9 2 5 15,4-1 6-15,-9 0 0 16,2 0-1-16,-7 3-12 16,4-1-6-16,-6 0-7 15,6 0 2-15,-1-1-2 16,7-2 2-16,-4 3-1 15,7-1 1-15,-7-1-1 16,5 4 0-16,-9 0-1 16,5-3 1-16,-7 2-2 0,7-2 1 15,-7 1-1-15,9 1 1 16,-4 1 0-16,8-1 1 16,-7 1-1-16,7 1-1 15,-8 0 0-15,11-2 1 16,-12 3-1-16,14 0 0 15,-6 2-1-15,7 0 1 16,-8 1-1-16,9 0-1 16,-11 0 1-16,6-2 1 15,-7-2-2-15,9 2 2 16,-4-1 1-16,9-1 1 16,-7 0-2-16,9 0 1 15,-7 0-2-15,5 1-2 16,-9 0 1-16,7 0 0 0,-7 1 0 15,5 0 2 1,-8-1 1-16,10 1-1 0,-6-1 1 16,10-2-1-16,-3 2 0 15,11 0-1-15,-10-2 0 16,7-1 1-16,-9 2-2 16,3-1 2-16,-10-2 0 15,7 2 1-15,-7 1-1 16,7-1 1-16,-6-1 1 15,14 1 0-15,-4-2 0 0,13 2 0 16,-4-2 0-16,12 5 1 16,-15-3-2-16,4 1 1 15,-15-1-1-15,4-1 1 16,-12-2 2-16,7 5 6 16,-6-5 1-16,8 2 3 15,-5 1 2-15,17 0 0 16,-5 2-8-16,12 2 0 15,-5-2-3-15,6 1-1 16,-17-3 0-16,8 0 4 16,-15-2-1-16,5-1 0 15,-10 3 0-15,8-2-1 16,-11 0-4-16,5 2 1 16,-8 2 3-16,9-6 8 15,-6 4 0-15,15-1 1 0,-2 1-2 16,13 0-1-16,-7 2-10 15,4-1-1-15,-11 1-2 16,7 0 2-16,-16-3-1 16,4-2 1-16,-3 5 0 15,2-7 2-15,-12 3-3 16,11-1 2-16,-2 2-1 16,11-1 0-16,-4 2-1 0,10 1 0 15,-7 3-1-15,3-4 0 16,-10 0-1-16,6 1 2 15,-6-2 0-15,6-3 1 16,-8 2-1-16,5 1 0 16,-9 1-1-16,3-2 0 15,-3 0 1-15,12 0 0 16,-1 2 0-16,15 0 0 16,-7 0-1-16,10 3 0 15,-15 1 0-15,3-2 1 16,-14-1-1-16,1 2 0 15,-11-2 0-15,4-1 0 16,-3-1 2-16,5 1-1 16,-5 1 1-16,7-1 0 15,-5-1-1-15,11 3 1 16,-5-3 2-16,9-3 6 0,-7 1 5 16,5-1 13-16,-17 0 7 15,5-1 3-15,-12 4-5 16,2-4-6-16,-3 1-14 15,6 0-8-15,-5-3-5 16,12-1 0-16,-7 0 1 16,4-1 1-16,-5-1 2 15,1-1 0-15,-11 1 1 0,-1 3 3 16,-7 0 1-16,-1 1 0 16,-5 4-1-16,5 1-3 15,-1 1-3-15,5 0-2 16,-1 6-1-16,1-4 1 15,-6 1 1-15,-4 1 2 16,-8-2 2-16,-2-3 4 16,-5 1 0-16,0 1 0 15,-3-1-1-15,0 0-3 16,0 0-4-16,0 0-4 16,0 0-5-16,0 0-48 15,0 0-44-15,0 0-149 16,0 0-81-16,-1-1-61 15</inkml:trace>
-  <inkml:trace contextRef="#ctx0" brushRef="#br0" timeOffset="567.957">24869 11270 601 0,'-24'-8'13'0,"-1"-3"-13"15,-3 4-192-15</inkml:trace>
+  <inkml:trace contextRef="#ctx0" brushRef="#br0" timeOffset="567.956">24869 11270 601 0,'-24'-8'13'0,"-1"-3"-13"15,-3 4-192-15</inkml:trace>
   <inkml:trace contextRef="#ctx0" brushRef="#br0" timeOffset="893.082">24512 11231 359 0,'-2'7'221'0,"1"-6"-40"0,0 0-116 16,0 1-195-16,-1-1-52 15,1 0-84-15</inkml:trace>
   <inkml:trace contextRef="#ctx0" brushRef="#br0" timeOffset="2213.779">24513 11264 93 0,'3'1'104'0,"19"3"-23"16,38 3-21-16,-24-10-13 15,-1-4-31-15,4 2-9 16,-3 1-5-16,2-1 0 15,-7 2-1-15,8 0-1 16,-5 0 0-16,5 2 0 16,-4-1 0-16,5 2 0 0,-7 2 0 15,8-2 5-15,-4 1 3 16,8 0 7-16,-4-1 3 16,5 0 4-16,-4 0-5 15,4-2 3-15,-7-2-5 16,5 1 7-16,-5-1 2 15,4-2 4-15,-3 1-3 16,6 1 0-16,-2 2-7 16,4 0 5-16,-3 3-6 15,7 0 1-15,-3 0-3 0,5-1-2 16,-3 2-11-16,6-2 1 16,-6 2-2-16,2-2 0 15,-9 1 1-15,2 0-1 16,-7-1 0-16,7 1 0 15,-2-2 2-15,8 1 1 16,-5 0 0-16,11 2 1 16,-5 0 1-16,8 2-1 15,-8 1-2-15,10 0-1 16,-8-1 0-16,7 0-1 16,-9 0-1-16,7 0 0 15,-6 0 1-15,9 1-1 16,-8 1 1-16,14 4-1 15,-4-2 0-15,17 2 0 16,-2-2 0-16,12 0 0 0,-8 0 0 16,6-1 1-16,-15-1-1 15,6 0 2-15,-13-3-1 16,7 0 0-16,-8 2-1 16,8-2 1-16,-9 1-1 15,13 2 0-15,-10-1 0 16,11-3 0-16,-10 3-1 15,5-3 3-15,-13-2 0 0,4 0 6 16,-12-1 6-16,4-4 7 16,-11 3-3-16,5-2 0 15,-10 2-6-15,5-1-5 16,-6 1-6-16,5 1 1 16,-3 0-2-16,6 1 0 15,-4 1 0-15,6-1 0 16,-8 0 0-16,2 1 1 15,-8-2 0-15,-2 0 1 16,-6 0 0-16,3 0 4 16,-5-3-1-16,3 4 0 15,-4-3-1-15,3 2-1 16,-2 2-4-16,10 1 1 16,2 2-1-16,7 0 0 15,0 0-2-15,2 0 2 16,-9-1-1-16,-1 0 1 15,-10 1 2-15,2-1 1 0,-3-3-2 16,1 1 1-16,-4-4-2 16,8 2 0-16,-1 1-2 15,10 2 2-15,-1-1-1 16,12 4 0-16,-3 0 1 16,12 1 1-16,-4-1-2 15,5-1 1-15,-10 0-1 16,1 0 1-16,-11-5 0 0,-1 2 3 15,-5-1 0-15,5 0 2 16,-3-3-2-16,11 1 1 16,-3 2-1-16,9 1-1 15,-3 2-1-15,8 0 0 16,-8 1-1-16,4-3 2 16,-12-1-1-16,-1-1 3 15,-11-2 1-15,0 2 4 16,-4-1-1-16,6 4 1 15,-1-2-3-15,5 3 0 16,-6-1-4-16,-1 1 0 16,-9-2-1-16,-4 1 6 15,-9-1 5-15,-5-2 9 16,-2 1 2-16,-1 0 2 16,-1 0-4-16,0 0-6 0,0 0-7 15,0 0-2-15,0 0-3 16,0 0 2-16,0 0 2 15,0 0 5-15,0 0 1 16,0 0 2-16,0-1-3 16,0 0-3-16,0 1-6 15,0 0-29-15,0 0-50 16,0 0-161-16,0-1 12 0</inkml:trace>
   <inkml:trace contextRef="#ctx0" brushRef="#br0" timeOffset="9695.893">6460 13031 721 0,'-6'-2'178'0,"-2"0"54"16,3 2-218-16,3 0-26 15,2 0-15-15,0 0-11 16,0 0 3-16,0 0 8 15,0 0 12-15,0 2 7 16,0-1 3-16,0 0-2 16,2 10-3-16,5 7 1 15,21 32-1-15,-9-27-2 16,5 1 3-16,9 7 3 16,-3-4 1-16,11 9 1 15,-2-2 1-15,9 5-19 16,-2-4-15-16,14 7-10 0,-1-4-1 15,13-1-1-15,0-5 20 16,10 2 14-16,-9-9 11 16,10 0 0-16,-11-3 3 15,11 1 1-15,-12-4-1 16,13 0 2-16,-9-5 2 16,16-1-1-16,-8-5 0 15,18-2 0-15,-9-3-1 0,16-2 1 16,-9-1-1-16,14-2 1 15,-13 2-1-15,10-1 1 16,-12 1-2-16,11 3 1 16,-14 2 0-16,10-2 0 15,-14 2-2-15,12-2 2 16,-15 1-2-16,7-1-1 16,-8 2 1-16,10-2 1 15,-14 0 1-15,12-2 0 16,-9-2 0-16,8 1-1 15,-13 0 0-15,9 0 0 16,-14 0 1-16,10 5 1 16,-8-2 0-16,10 0 0 15,-6 5-1-15,16 0 1 16,-8-1-2-16,15 3 0 16,-9-2 0-16,10 0 1 0,-19-4-1 15,14 3 1-15,-18 0-1 16,12 1 1-16,-11-3 0 15,14 2-1-15,-11-3 0 16,13 0 0-16,-6-3 1 16,11-1 0-16,-12 0 0 15,12-2 0-15,-12-2 2 0,11 2 7 16,-11 1 1-16,17 0 4 16,-11 1 0-16,12-2 1 15,-10 1-7-15,13-1-1 16,-12 2-4-16,10-1 0 15,-12 4-3-15,14-4 2 16,-10 2 0-16,17-3 0 16,-11 0 1-16,14-5 0 15,-12 2-2-15,13 1-1 16,-19 0 0-16,15 2-1 16,-12 2 1-16,13 2-1 15,-15-1 0-15,20-2 0 16,-13 2 0-16,16 2 1 15,-14-2-1-15,15 4 2 16,-13 3-1-16,18 2 1 16,-14-5-1-16,20 4 0 0,-12-4 0 15,15 1 0-15,-17-2-2 16,15 1 1-16,-17 1 0 16,8 1-2-16,-18-2 1 15,18 3 0-15,-18 0 1 16,18 0 2-16,-9-1 1 15,21 3 0-15,-19-4-1 16,20 1 0-16,-14-3-1 16,14 4 1-16,-17-1 0 0,21 1 1 15,-19 1-1-15,16 0 1 16,-14-2 0-16,15 2-2 16,-20-2-1-16,14 1 8 15,-16-2 4-15,14-1 5 16,-22 0 4-16,18 3 7 15,-15-3-6-15,19 3-4 16,-14-2-5-16,21-1-3 16,-13-1-6-16,12 0-1 15,-21-4-2-15,16 2-1 16,-18-2 1-16,9 1-1 16,-14-1 0-16,17 1 0 15,-16 0 0-15,14-1-1 16,-13 0 1-16,18-1-1 15,-21 0 1-15,20-4-2 16,-16 3 1-16,18-2 0 0,-21 1 0 16,21-1-2-16,-16 0 2 15,13-1 0-15,-20 1-1 16,13-6 1-16,-18 2 1 16,13-2 1-16,-13-2-1 15,19 1 0-15,-10 0 0 16,13 0 0-16,-16 2 0 0,6-4 1 15,-21 3 0-15,7-1 5 16,-20 1 2-16,23-2 5 16,-8 3 0-16,22-4 0 15,-13 1-3-15,18-3-4 16,-23 1-4-16,9 2-2 16,-23 2-1-16,7-1 2 15,-15 0 0-15,14 0 0 16,-12-2 0-16,10-1 4 15,-9 4 4-15,6-3 8 16,-16 6 2-16,9-1 4 16,-11 0-3-16,5-1-3 15,-11 2-9-15,6-5 0 16,-11 3-3-16,6-2 1 16,-9 0-1-16,13-3-1 15,-4 2-3-15,11-4-2 0,-2 1-5 16,10-3-2-16,-13 2 1 15,-8 0 9-15,-22 6 21 16,-14 2 42-16,-20 3 14 16,-3 1 6-16,-3 0-9 15,6-4-20-15,2-3-38 16,6-6-14-16,0-4-7 16,-2 1 11-16,-7 2 8 0,1 3 18 15,-6 5 6-15,2 0 4 16,-2-1-8-16,3-2-10 15,0-1-15-15,2 1 18 16,-4 4 8-16,-1-2 12 16,-4 4 9-16,-1-3 0 15,-1-5-24-15,3-13-14 16,4-10-30-16,7-22-38 16,5-7-14-16,3-3 1 15,-6 10 7-15,-3 9 35 16,-8 24 37-16,-3 6 15 15,-3 6-1-15,5-5-5 16,0-5-20-16,1-6-7 16,-1-3-1-16,1-7-2 15,-3 6 2-15,-1 5 14 16,-2 9 7-16,-1 2 7 0,-1 13 2 16,-3 2 1-16,2-2-14 15,0 5-8-15,0-2-6 16,0-3-1-16,-4-12 1 15,-2 0 4-15,-9-29 3 16,11 36 1-16,1 3-2 16,-7-8-2-16,-2-5-10 15,-23-31-53-15,-4-11-5 0,-3-7 3 16,6 9 6-16,2-1 10 16,18 27 50-16,-6-7-10 15,-3 1-40-15,-22-24-112 16,-7-3-32-16,-15-9-8 15,4 15 12-15,-6-2 38 16,15 20 109-16,4 4 28 16,8 11 9-16,-11 2-16 15,7 3-1-15,-10 5 1 16,0 4 1-16,-11 1 0 16,11 5 15-16,0-2 25 15,11 2 9-15,-2 1 9 16,19 1 1-16,-3-1 7 15,4 0-20-15,-4 1-10 16,8-1-8-16,-2 2 4 16,7 4-7-16,1 0 3 0,2-1 10 15,0 6 9-15,-1-4-3 16,1 1-1-16,2 1-4 16,-6 2-12-16,-2-1-10 15,-12 5-3-15,-6 4-1 16,-8-1 2-16,1 3 0 15,-9 1 0-15,6-4 0 16,-6 0-1-16,4 1 0 0,-8-3 0 16,7 0 1-16,-1 0 1 15,4-2-1-15,-2 0 0 16,8-3 0-16,-5-1-1 16,3-2 0-16,-11 4 0 15,3-5 0-15,-13-2-3 16,0 1-3-16,-14-5 1 15,7 0-1-15,0-2 2 16,19 3 1-16,0-3 4 16,9 3-1-16,-10-4 1 15,1 4 0-15,-11-2 0 16,5 1-1-16,-13 0 1 16,11 1-2-16,-17-1 2 15,-1 1-1-15,-18-4 1 16,9 0 0-16,-6-2 0 0,16 2-1 15,-15-3 0-15,10 3 0 16,-12 0 1-16,6 0-1 16,-15 0 1-16,12 2-1 15,-14 1 1-15,13 1-1 16,-14 0-1-16,8 3 1 16,-18 3-2-16,13 2 1 15,-10 1 0-15,8 1 2 16,-17 4 0-16,17-1 0 0,-3-1 0 15,10 2 1-15,-15 2-2 16,19 2-1-16,-14 1 0 16,5 2 0-16,-21 2-1 15,15 0 1-15,-12-2 1 16,13-3-2-16,-8-3-1 16,13 0 2-16,-16-3 0 15,8 2 0-15,-15 4 3 16,6-1 0-16,-5 3-1 15,16 2-2-15,-19 0-12 16,21-1 0-16,-10 0-1 16,13-3 0-16,-18-2 2 15,19-2 12-15,-12-2 0 16,11-1-1-16,-11-1 2 16,19-4-1-16,-6-2 1 15,12 0 0-15,-11-3-1 0,17-2 2 16,-17 1 0-16,6 2-1 15,-11-1-1-15,12 3 2 16,-20 1-2-16,17 1-2 16,-9-2-16-16,12 2 0 15,-14-3 0-15,16-1 0 16,-11-2 1-16,13-6 19 0,-11-2 4 16,12 0-2-16,-18-3 1 15,14 0-1-15,-14 3-1 16,9 2-2-16,-13 3-1 15,17 2-1-15,-7 0 1 16,11 0-1-16,-10-2 0 16,17 0 3-16,-10-4 2 15,12 1 3-15,-14-2-2 16,9 1-3-16,-21-2 0 16,11 5-1-16,-15-5-2 15,13 1 0-15,-15-1 3 16,19 1 0-16,-7-1 2 15,8 6-2-15,-9 1-2 16,12 4 1-16,-13 3-2 16,10 5-2-16,-17 0 1 15,12 2 2-15,-9 3-1 0,14-2 2 16,-14 4-1-16,18-2 1 16,-15 6-1-16,13-4 0 15,-7 4 1-15,9-2-2 16,-9 0 0-16,13-2 2 15,-15 2-1-15,10-4 0 16,-7 1 1-16,11 2 1 16,-14 2-5-16,17 1 1 15,-12-1 0-15,12 1 0 16,-12-2 0-16,18-3 1 0,-13-2 0 16,12 1 0-16,-8-1 1 15,11-6 2-15,-20 4-2 16,12-2-1-16,-9-1 1 15,3 2-19-15,-14 2-45 16,14 1-13-16,-11-1 1 16,10-2 2-16,-6-1 15 15,17-4 65-15,-4-3 38 16,8 1-1-16,-17 2-4 16,12 2 1-16,-17 5-25 15,2 3-42-15,-11 3-13 16,14 2 1-16,-15-1 1 15,16-3 13-15,-5-6 45 0,17-6 27 16,-10-3 24-16,16-7 0 16,-12 1-6-16,9 0-26 15,-14 0-11-15,7 6-25 16,-11 3-3-16,10 3 1 16,-10 4-3-16,15 1 4 15,-5 2 11-15,13-1 13 16,-5 3 0-16,11 0-2 15,-12 0 2-15,6-2-11 16,-15 3-13-16,8-2 2 0,-12 5-1 16,12 0-2-16,-10 7-1 15,14 2-1-15,-6 9 0 16,14-2-1-16,-1 6-4 16,9-3 0-16,-5 7-5 15,7-2 1-15,-7 4 0 16,7-3 3-16,-1 1-10 15,13-8 3-15,2 1 1 16,11-4-1-16,-3 7-2 16,10 0 11-16,0 3-5 15,6-5 0-15,3 4-2 16,10-7 2-16,1 3 0 16,4-2 2-16,-1 6 3 15,2-7 2-15,-1 1 0 0,2-5 2 16,0 5 3-16,2-3-2 15,4 10 1-15,-1-5-1 16,1 2 1-16,1-7 0 16,-1-1 0-16,1-9 0 15,-1 1 0-15,1-2-1 16,0 2 0-16,1-5-1 16,-1 1 0-16,0-3 0 15,2-1-1-15,-2-4 2 0,2 1 0 16,-1-5 0-16,0 1 2 15,0-3-1-15,0 4 0 16,-1 0 1-16,2 2-1 16,0 1 0-16,1 1 1 15,2-2-1-15,-3-2 1 16,-2-4 1-16,-1 0 2 16,-3-2 2-16,-2-1 8 15,1 0 3-15,1 0-1 16,0 0-4-16,0 0-5 15,0 0-8-15,0 0-2 16,0 0-1-16,0 1 1 16,1 0 1-16,3 8 3 15,-1-2-2-15,1 0 1 16,-2-1-1-16,2 3 1 16,-2 2-1-16,4 5 0 0,12 36-1 15,-11-29 1-15,2 0 0 16,2 3-1-16,-2-4 0 15,2 4 1-15,-1-6-1 16,-5 2-4-16,0-1-3 16,-4 4-27-16,-2 0-40 15,-2 4-165-15,6-2 19 16</inkml:trace>
 </inkml:ink>
+</file>
+
+<file path=ppt/notesMasters/notesMaster1.xml><?xml version="1.0" encoding="utf-8"?>
+<p:notesMaster xmlns:a="http://schemas.openxmlformats.org/drawingml/2006/main" xmlns:r="http://schemas.openxmlformats.org/officeDocument/2006/relationships" xmlns:p="http://schemas.openxmlformats.org/presentationml/2006/main">
+  <p:cSld>
+    <p:bg>
+      <p:bgRef idx="1001">
+        <a:schemeClr val="bg1"/>
+      </p:bgRef>
+    </p:bg>
+    <p:spTree>
+      <p:nvGrpSpPr>
+        <p:cNvPr id="1" name=""/>
+        <p:cNvGrpSpPr/>
+        <p:nvPr/>
+      </p:nvGrpSpPr>
+      <p:grpSpPr>
+        <a:xfrm>
+          <a:off x="0" y="0"/>
+          <a:ext cx="0" cy="0"/>
+          <a:chOff x="0" y="0"/>
+          <a:chExt cx="0" cy="0"/>
+        </a:xfrm>
+      </p:grpSpPr>
+      <p:sp>
+        <p:nvSpPr>
+          <p:cNvPr id="2" name="Header Placeholder 1"/>
+          <p:cNvSpPr>
+            <a:spLocks noGrp="1"/>
+          </p:cNvSpPr>
+          <p:nvPr>
+            <p:ph type="hdr" sz="quarter"/>
+          </p:nvPr>
+        </p:nvSpPr>
+        <p:spPr>
+          <a:xfrm>
+            <a:off x="0" y="0"/>
+            <a:ext cx="2971800" cy="458788"/>
+          </a:xfrm>
+          <a:prstGeom prst="rect">
+            <a:avLst/>
+          </a:prstGeom>
+        </p:spPr>
+        <p:txBody>
+          <a:bodyPr vert="horz" lIns="91440" tIns="45720" rIns="91440" bIns="45720" rtlCol="0"/>
+          <a:lstStyle>
+            <a:lvl1pPr algn="l">
+              <a:defRPr sz="1200"/>
+            </a:lvl1pPr>
+          </a:lstStyle>
+          <a:p>
+            <a:endParaRPr lang="en-IN"/>
+          </a:p>
+        </p:txBody>
+      </p:sp>
+      <p:sp>
+        <p:nvSpPr>
+          <p:cNvPr id="3" name="Date Placeholder 2"/>
+          <p:cNvSpPr>
+            <a:spLocks noGrp="1"/>
+          </p:cNvSpPr>
+          <p:nvPr>
+            <p:ph type="dt" idx="1"/>
+          </p:nvPr>
+        </p:nvSpPr>
+        <p:spPr>
+          <a:xfrm>
+            <a:off x="3884613" y="0"/>
+            <a:ext cx="2971800" cy="458788"/>
+          </a:xfrm>
+          <a:prstGeom prst="rect">
+            <a:avLst/>
+          </a:prstGeom>
+        </p:spPr>
+        <p:txBody>
+          <a:bodyPr vert="horz" lIns="91440" tIns="45720" rIns="91440" bIns="45720" rtlCol="0"/>
+          <a:lstStyle>
+            <a:lvl1pPr algn="r">
+              <a:defRPr sz="1200"/>
+            </a:lvl1pPr>
+          </a:lstStyle>
+          <a:p>
+            <a:fld id="{EF410A81-ACFA-4024-B599-B5A8FBF5A966}" type="datetimeFigureOut">
+              <a:rPr lang="en-IN" smtClean="0"/>
+              <a:t>25-07-2019</a:t>
+            </a:fld>
+            <a:endParaRPr lang="en-IN"/>
+          </a:p>
+        </p:txBody>
+      </p:sp>
+      <p:sp>
+        <p:nvSpPr>
+          <p:cNvPr id="4" name="Slide Image Placeholder 3"/>
+          <p:cNvSpPr>
+            <a:spLocks noGrp="1" noRot="1" noChangeAspect="1"/>
+          </p:cNvSpPr>
+          <p:nvPr>
+            <p:ph type="sldImg" idx="2"/>
+          </p:nvPr>
+        </p:nvSpPr>
+        <p:spPr>
+          <a:xfrm>
+            <a:off x="685800" y="1143000"/>
+            <a:ext cx="5486400" cy="3086100"/>
+          </a:xfrm>
+          <a:prstGeom prst="rect">
+            <a:avLst/>
+          </a:prstGeom>
+          <a:noFill/>
+          <a:ln w="12700">
+            <a:solidFill>
+              <a:prstClr val="black"/>
+            </a:solidFill>
+          </a:ln>
+        </p:spPr>
+        <p:txBody>
+          <a:bodyPr vert="horz" lIns="91440" tIns="45720" rIns="91440" bIns="45720" rtlCol="0" anchor="ctr"/>
+          <a:lstStyle/>
+          <a:p>
+            <a:endParaRPr lang="en-IN"/>
+          </a:p>
+        </p:txBody>
+      </p:sp>
+      <p:sp>
+        <p:nvSpPr>
+          <p:cNvPr id="5" name="Notes Placeholder 4"/>
+          <p:cNvSpPr>
+            <a:spLocks noGrp="1"/>
+          </p:cNvSpPr>
+          <p:nvPr>
+            <p:ph type="body" sz="quarter" idx="3"/>
+          </p:nvPr>
+        </p:nvSpPr>
+        <p:spPr>
+          <a:xfrm>
+            <a:off x="685800" y="4400550"/>
+            <a:ext cx="5486400" cy="3600450"/>
+          </a:xfrm>
+          <a:prstGeom prst="rect">
+            <a:avLst/>
+          </a:prstGeom>
+        </p:spPr>
+        <p:txBody>
+          <a:bodyPr vert="horz" lIns="91440" tIns="45720" rIns="91440" bIns="45720" rtlCol="0"/>
+          <a:lstStyle/>
+          <a:p>
+            <a:pPr lvl="0"/>
+            <a:r>
+              <a:rPr lang="en-US"/>
+              <a:t>Click to edit Master text styles</a:t>
+            </a:r>
+          </a:p>
+          <a:p>
+            <a:pPr lvl="1"/>
+            <a:r>
+              <a:rPr lang="en-US"/>
+              <a:t>Second level</a:t>
+            </a:r>
+          </a:p>
+          <a:p>
+            <a:pPr lvl="2"/>
+            <a:r>
+              <a:rPr lang="en-US"/>
+              <a:t>Third level</a:t>
+            </a:r>
+          </a:p>
+          <a:p>
+            <a:pPr lvl="3"/>
+            <a:r>
+              <a:rPr lang="en-US"/>
+              <a:t>Fourth level</a:t>
+            </a:r>
+          </a:p>
+          <a:p>
+            <a:pPr lvl="4"/>
+            <a:r>
+              <a:rPr lang="en-US"/>
+              <a:t>Fifth level</a:t>
+            </a:r>
+            <a:endParaRPr lang="en-IN"/>
+          </a:p>
+        </p:txBody>
+      </p:sp>
+      <p:sp>
+        <p:nvSpPr>
+          <p:cNvPr id="6" name="Footer Placeholder 5"/>
+          <p:cNvSpPr>
+            <a:spLocks noGrp="1"/>
+          </p:cNvSpPr>
+          <p:nvPr>
+            <p:ph type="ftr" sz="quarter" idx="4"/>
+          </p:nvPr>
+        </p:nvSpPr>
+        <p:spPr>
+          <a:xfrm>
+            <a:off x="0" y="8685213"/>
+            <a:ext cx="2971800" cy="458787"/>
+          </a:xfrm>
+          <a:prstGeom prst="rect">
+            <a:avLst/>
+          </a:prstGeom>
+        </p:spPr>
+        <p:txBody>
+          <a:bodyPr vert="horz" lIns="91440" tIns="45720" rIns="91440" bIns="45720" rtlCol="0" anchor="b"/>
+          <a:lstStyle>
+            <a:lvl1pPr algn="l">
+              <a:defRPr sz="1200"/>
+            </a:lvl1pPr>
+          </a:lstStyle>
+          <a:p>
+            <a:endParaRPr lang="en-IN"/>
+          </a:p>
+        </p:txBody>
+      </p:sp>
+      <p:sp>
+        <p:nvSpPr>
+          <p:cNvPr id="7" name="Slide Number Placeholder 6"/>
+          <p:cNvSpPr>
+            <a:spLocks noGrp="1"/>
+          </p:cNvSpPr>
+          <p:nvPr>
+            <p:ph type="sldNum" sz="quarter" idx="5"/>
+          </p:nvPr>
+        </p:nvSpPr>
+        <p:spPr>
+          <a:xfrm>
+            <a:off x="3884613" y="8685213"/>
+            <a:ext cx="2971800" cy="458787"/>
+          </a:xfrm>
+          <a:prstGeom prst="rect">
+            <a:avLst/>
+          </a:prstGeom>
+        </p:spPr>
+        <p:txBody>
+          <a:bodyPr vert="horz" lIns="91440" tIns="45720" rIns="91440" bIns="45720" rtlCol="0" anchor="b"/>
+          <a:lstStyle>
+            <a:lvl1pPr algn="r">
+              <a:defRPr sz="1200"/>
+            </a:lvl1pPr>
+          </a:lstStyle>
+          <a:p>
+            <a:fld id="{3AF8ADC5-2D89-4FCD-9040-0A09D183A1D6}" type="slidenum">
+              <a:rPr lang="en-IN" smtClean="0"/>
+              <a:t>‹#›</a:t>
+            </a:fld>
+            <a:endParaRPr lang="en-IN"/>
+          </a:p>
+        </p:txBody>
+      </p:sp>
+    </p:spTree>
+    <p:extLst>
+      <p:ext uri="{BB962C8B-B14F-4D97-AF65-F5344CB8AC3E}">
+        <p14:creationId xmlns:p14="http://schemas.microsoft.com/office/powerpoint/2010/main" val="2729049822"/>
+      </p:ext>
+    </p:extLst>
+  </p:cSld>
+  <p:clrMap bg1="lt1" tx1="dk1" bg2="lt2" tx2="dk2" accent1="accent1" accent2="accent2" accent3="accent3" accent4="accent4" accent5="accent5" accent6="accent6" hlink="hlink" folHlink="folHlink"/>
+  <p:notesStyle>
+    <a:lvl1pPr marL="0" algn="l" defTabSz="914400" rtl="0" eaLnBrk="1" latinLnBrk="0" hangingPunct="1">
+      <a:defRPr sz="1200" kern="1200">
+        <a:solidFill>
+          <a:schemeClr val="tx1"/>
+        </a:solidFill>
+        <a:latin typeface="+mn-lt"/>
+        <a:ea typeface="+mn-ea"/>
+        <a:cs typeface="+mn-cs"/>
+      </a:defRPr>
+    </a:lvl1pPr>
+    <a:lvl2pPr marL="457200" algn="l" defTabSz="914400" rtl="0" eaLnBrk="1" latinLnBrk="0" hangingPunct="1">
+      <a:defRPr sz="1200" kern="1200">
+        <a:solidFill>
+          <a:schemeClr val="tx1"/>
+        </a:solidFill>
+        <a:latin typeface="+mn-lt"/>
+        <a:ea typeface="+mn-ea"/>
+        <a:cs typeface="+mn-cs"/>
+      </a:defRPr>
+    </a:lvl2pPr>
+    <a:lvl3pPr marL="914400" algn="l" defTabSz="914400" rtl="0" eaLnBrk="1" latinLnBrk="0" hangingPunct="1">
+      <a:defRPr sz="1200" kern="1200">
+        <a:solidFill>
+          <a:schemeClr val="tx1"/>
+        </a:solidFill>
+        <a:latin typeface="+mn-lt"/>
+        <a:ea typeface="+mn-ea"/>
+        <a:cs typeface="+mn-cs"/>
+      </a:defRPr>
+    </a:lvl3pPr>
+    <a:lvl4pPr marL="1371600" algn="l" defTabSz="914400" rtl="0" eaLnBrk="1" latinLnBrk="0" hangingPunct="1">
+      <a:defRPr sz="1200" kern="1200">
+        <a:solidFill>
+          <a:schemeClr val="tx1"/>
+        </a:solidFill>
+        <a:latin typeface="+mn-lt"/>
+        <a:ea typeface="+mn-ea"/>
+        <a:cs typeface="+mn-cs"/>
+      </a:defRPr>
+    </a:lvl4pPr>
+    <a:lvl5pPr marL="1828800" algn="l" defTabSz="914400" rtl="0" eaLnBrk="1" latinLnBrk="0" hangingPunct="1">
+      <a:defRPr sz="1200" kern="1200">
+        <a:solidFill>
+          <a:schemeClr val="tx1"/>
+        </a:solidFill>
+        <a:latin typeface="+mn-lt"/>
+        <a:ea typeface="+mn-ea"/>
+        <a:cs typeface="+mn-cs"/>
+      </a:defRPr>
+    </a:lvl5pPr>
+    <a:lvl6pPr marL="2286000" algn="l" defTabSz="914400" rtl="0" eaLnBrk="1" latinLnBrk="0" hangingPunct="1">
+      <a:defRPr sz="1200" kern="1200">
+        <a:solidFill>
+          <a:schemeClr val="tx1"/>
+        </a:solidFill>
+        <a:latin typeface="+mn-lt"/>
+        <a:ea typeface="+mn-ea"/>
+        <a:cs typeface="+mn-cs"/>
+      </a:defRPr>
+    </a:lvl6pPr>
+    <a:lvl7pPr marL="2743200" algn="l" defTabSz="914400" rtl="0" eaLnBrk="1" latinLnBrk="0" hangingPunct="1">
+      <a:defRPr sz="1200" kern="1200">
+        <a:solidFill>
+          <a:schemeClr val="tx1"/>
+        </a:solidFill>
+        <a:latin typeface="+mn-lt"/>
+        <a:ea typeface="+mn-ea"/>
+        <a:cs typeface="+mn-cs"/>
+      </a:defRPr>
+    </a:lvl7pPr>
+    <a:lvl8pPr marL="3200400" algn="l" defTabSz="914400" rtl="0" eaLnBrk="1" latinLnBrk="0" hangingPunct="1">
+      <a:defRPr sz="1200" kern="1200">
+        <a:solidFill>
+          <a:schemeClr val="tx1"/>
+        </a:solidFill>
+        <a:latin typeface="+mn-lt"/>
+        <a:ea typeface="+mn-ea"/>
+        <a:cs typeface="+mn-cs"/>
+      </a:defRPr>
+    </a:lvl8pPr>
+    <a:lvl9pPr marL="3657600" algn="l" defTabSz="914400" rtl="0" eaLnBrk="1" latinLnBrk="0" hangingPunct="1">
+      <a:defRPr sz="1200" kern="1200">
+        <a:solidFill>
+          <a:schemeClr val="tx1"/>
+        </a:solidFill>
+        <a:latin typeface="+mn-lt"/>
+        <a:ea typeface="+mn-ea"/>
+        <a:cs typeface="+mn-cs"/>
+      </a:defRPr>
+    </a:lvl9pPr>
+  </p:notesStyle>
+</p:notesMaster>
 </file>
 
 <file path=ppt/slideLayouts/slideLayout1.xml><?xml version="1.0" encoding="utf-8"?>
@@ -577,10 +935,10 @@
           <a:bodyPr/>
           <a:lstStyle/>
           <a:p>
-            <a:fld id="{ED291B17-9318-49DB-B28B-6E5994AE9581}" type="datetime1">
-              <a:rPr lang="en-US" smtClean="0"/>
-              <a:t>7/17/2019</a:t>
-            </a:fld>
+            <a:r>
+              <a:rPr lang="en-US"/>
+              <a:t>7/25/2019</a:t>
+            </a:r>
             <a:endParaRPr lang="en-US" dirty="0"/>
           </a:p>
         </p:txBody>
@@ -606,6 +964,10 @@
           <a:bodyPr/>
           <a:lstStyle/>
           <a:p>
+            <a:r>
+              <a:rPr lang="en-US"/>
+              <a:t>Follow us on https://www.facebook.com/greenlearner</a:t>
+            </a:r>
             <a:endParaRPr lang="en-US" dirty="0"/>
           </a:p>
         </p:txBody>
@@ -780,10 +1142,10 @@
           <a:bodyPr/>
           <a:lstStyle/>
           <a:p>
-            <a:fld id="{2CED4963-E985-44C4-B8C4-FDD613B7C2F8}" type="datetime1">
-              <a:rPr lang="en-US" smtClean="0"/>
-              <a:t>7/17/2019</a:t>
-            </a:fld>
+            <a:r>
+              <a:rPr lang="en-US"/>
+              <a:t>7/25/2019</a:t>
+            </a:r>
             <a:endParaRPr lang="en-US" dirty="0"/>
           </a:p>
         </p:txBody>
@@ -803,6 +1165,10 @@
           <a:bodyPr/>
           <a:lstStyle/>
           <a:p>
+            <a:r>
+              <a:rPr lang="en-US"/>
+              <a:t>Follow us on https://www.facebook.com/greenlearner</a:t>
+            </a:r>
             <a:endParaRPr lang="en-US" dirty="0"/>
           </a:p>
         </p:txBody>
@@ -1142,10 +1508,10 @@
           <a:bodyPr/>
           <a:lstStyle/>
           <a:p>
-            <a:fld id="{ED291B17-9318-49DB-B28B-6E5994AE9581}" type="datetime1">
-              <a:rPr lang="en-US" smtClean="0"/>
-              <a:t>7/17/2019</a:t>
-            </a:fld>
+            <a:r>
+              <a:rPr lang="en-US"/>
+              <a:t>7/25/2019</a:t>
+            </a:r>
             <a:endParaRPr lang="en-US" dirty="0"/>
           </a:p>
         </p:txBody>
@@ -1171,6 +1537,10 @@
           <a:bodyPr/>
           <a:lstStyle/>
           <a:p>
+            <a:r>
+              <a:rPr lang="en-US"/>
+              <a:t>Follow us on https://www.facebook.com/greenlearner</a:t>
+            </a:r>
             <a:endParaRPr lang="en-US" dirty="0"/>
           </a:p>
         </p:txBody>
@@ -1340,10 +1710,10 @@
           <a:bodyPr/>
           <a:lstStyle/>
           <a:p>
-            <a:fld id="{78DD82B9-B8EE-4375-B6FF-88FA6ABB15D9}" type="datetime1">
-              <a:rPr lang="en-US" smtClean="0"/>
-              <a:t>7/17/2019</a:t>
-            </a:fld>
+            <a:r>
+              <a:rPr lang="en-US"/>
+              <a:t>7/25/2019</a:t>
+            </a:r>
             <a:endParaRPr lang="en-US" dirty="0"/>
           </a:p>
         </p:txBody>
@@ -1369,6 +1739,10 @@
           <a:bodyPr/>
           <a:lstStyle/>
           <a:p>
+            <a:r>
+              <a:rPr lang="en-US"/>
+              <a:t>Follow us on https://www.facebook.com/greenlearner</a:t>
+            </a:r>
             <a:endParaRPr lang="en-US" dirty="0"/>
           </a:p>
         </p:txBody>
@@ -1652,10 +2026,10 @@
           <a:bodyPr/>
           <a:lstStyle/>
           <a:p>
-            <a:fld id="{B2497495-0637-405E-AE64-5CC7506D51F5}" type="datetime1">
-              <a:rPr lang="en-US" smtClean="0"/>
-              <a:t>7/17/2019</a:t>
-            </a:fld>
+            <a:r>
+              <a:rPr lang="en-US"/>
+              <a:t>7/25/2019</a:t>
+            </a:r>
             <a:endParaRPr lang="en-US" dirty="0"/>
           </a:p>
         </p:txBody>
@@ -1681,6 +2055,10 @@
           <a:bodyPr/>
           <a:lstStyle/>
           <a:p>
+            <a:r>
+              <a:rPr lang="en-US"/>
+              <a:t>Follow us on https://www.facebook.com/greenlearner</a:t>
+            </a:r>
             <a:endParaRPr lang="en-US" dirty="0"/>
           </a:p>
         </p:txBody>
@@ -1905,10 +2283,10 @@
           <a:bodyPr/>
           <a:lstStyle/>
           <a:p>
-            <a:fld id="{7BFFD690-9426-415D-8B65-26881E07B2D4}" type="datetime1">
-              <a:rPr lang="en-US" smtClean="0"/>
-              <a:t>7/17/2019</a:t>
-            </a:fld>
+            <a:r>
+              <a:rPr lang="en-US"/>
+              <a:t>7/25/2019</a:t>
+            </a:r>
             <a:endParaRPr lang="en-US" dirty="0"/>
           </a:p>
         </p:txBody>
@@ -1928,6 +2306,10 @@
           <a:bodyPr/>
           <a:lstStyle/>
           <a:p>
+            <a:r>
+              <a:rPr lang="en-US"/>
+              <a:t>Follow us on https://www.facebook.com/greenlearner</a:t>
+            </a:r>
             <a:endParaRPr lang="en-US" dirty="0"/>
           </a:p>
         </p:txBody>
@@ -2327,10 +2709,10 @@
           <a:bodyPr/>
           <a:lstStyle/>
           <a:p>
-            <a:fld id="{04C4989A-474C-40DE-95B9-011C28B71673}" type="datetime1">
-              <a:rPr lang="en-US" smtClean="0"/>
-              <a:t>7/17/2019</a:t>
-            </a:fld>
+            <a:r>
+              <a:rPr lang="en-US"/>
+              <a:t>7/25/2019</a:t>
+            </a:r>
             <a:endParaRPr lang="en-US" dirty="0"/>
           </a:p>
         </p:txBody>
@@ -2350,6 +2732,10 @@
           <a:bodyPr/>
           <a:lstStyle/>
           <a:p>
+            <a:r>
+              <a:rPr lang="en-US"/>
+              <a:t>Follow us on https://www.facebook.com/greenlearner</a:t>
+            </a:r>
             <a:endParaRPr lang="en-US" dirty="0"/>
           </a:p>
         </p:txBody>
@@ -2450,10 +2836,10 @@
           <a:bodyPr/>
           <a:lstStyle/>
           <a:p>
-            <a:fld id="{5DB4ED54-5B5E-4A04-93D3-5772E3CE3818}" type="datetime1">
-              <a:rPr lang="en-US" smtClean="0"/>
-              <a:t>7/17/2019</a:t>
-            </a:fld>
+            <a:r>
+              <a:rPr lang="en-US"/>
+              <a:t>7/25/2019</a:t>
+            </a:r>
             <a:endParaRPr lang="en-US" dirty="0"/>
           </a:p>
         </p:txBody>
@@ -2473,6 +2859,10 @@
           <a:bodyPr/>
           <a:lstStyle/>
           <a:p>
+            <a:r>
+              <a:rPr lang="en-US"/>
+              <a:t>Follow us on https://www.facebook.com/greenlearner</a:t>
+            </a:r>
             <a:endParaRPr lang="en-US" dirty="0"/>
           </a:p>
         </p:txBody>
@@ -2545,10 +2935,10 @@
           <a:bodyPr/>
           <a:lstStyle/>
           <a:p>
-            <a:fld id="{4EDE50D6-574B-40AF-946F-D52A04ADE379}" type="datetime1">
-              <a:rPr lang="en-US" smtClean="0"/>
-              <a:t>7/17/2019</a:t>
-            </a:fld>
+            <a:r>
+              <a:rPr lang="en-US"/>
+              <a:t>7/25/2019</a:t>
+            </a:r>
             <a:endParaRPr lang="en-US" dirty="0"/>
           </a:p>
         </p:txBody>
@@ -2568,6 +2958,10 @@
           <a:bodyPr/>
           <a:lstStyle/>
           <a:p>
+            <a:r>
+              <a:rPr lang="en-US"/>
+              <a:t>Follow us on https://www.facebook.com/greenlearner</a:t>
+            </a:r>
             <a:endParaRPr lang="en-US" dirty="0"/>
           </a:p>
         </p:txBody>
@@ -2922,10 +3316,10 @@
           <a:bodyPr/>
           <a:lstStyle/>
           <a:p>
-            <a:fld id="{D82884F1-FFEA-405F-9602-3DCA865EDA4E}" type="datetime1">
-              <a:rPr lang="en-US" smtClean="0"/>
-              <a:t>7/17/2019</a:t>
-            </a:fld>
+            <a:r>
+              <a:rPr lang="en-US"/>
+              <a:t>7/25/2019</a:t>
+            </a:r>
             <a:endParaRPr lang="en-US" dirty="0"/>
           </a:p>
         </p:txBody>
@@ -2956,6 +3350,10 @@
           <a:bodyPr/>
           <a:lstStyle/>
           <a:p>
+            <a:r>
+              <a:rPr lang="en-US"/>
+              <a:t>Follow us on https://www.facebook.com/greenlearner</a:t>
+            </a:r>
             <a:endParaRPr lang="en-US" dirty="0"/>
           </a:p>
         </p:txBody>
@@ -3215,10 +3613,10 @@
           <a:bodyPr/>
           <a:lstStyle/>
           <a:p>
-            <a:fld id="{7E18DB4A-8810-4A10-AD5C-D5E2C667F5B3}" type="datetime1">
-              <a:rPr lang="en-US" smtClean="0"/>
-              <a:t>7/17/2019</a:t>
-            </a:fld>
+            <a:r>
+              <a:rPr lang="en-US"/>
+              <a:t>7/25/2019</a:t>
+            </a:r>
             <a:endParaRPr lang="en-US" dirty="0"/>
           </a:p>
         </p:txBody>
@@ -3239,6 +3637,10 @@
           <a:lstStyle/>
           <a:p>
             <a:pPr algn="l"/>
+            <a:r>
+              <a:rPr lang="en-US"/>
+              <a:t>Follow us on https://www.facebook.com/greenlearner</a:t>
+            </a:r>
             <a:endParaRPr lang="en-US" dirty="0"/>
           </a:p>
         </p:txBody>
@@ -3430,10 +3832,10 @@
             </a:lvl1pPr>
           </a:lstStyle>
           <a:p>
-            <a:fld id="{ED291B17-9318-49DB-B28B-6E5994AE9581}" type="datetime1">
-              <a:rPr lang="en-US" smtClean="0"/>
-              <a:t>7/17/2019</a:t>
-            </a:fld>
+            <a:r>
+              <a:rPr lang="en-US"/>
+              <a:t>7/25/2019</a:t>
+            </a:r>
             <a:endParaRPr lang="en-US" dirty="0"/>
           </a:p>
         </p:txBody>
@@ -3472,6 +3874,10 @@
             </a:lvl1pPr>
           </a:lstStyle>
           <a:p>
+            <a:r>
+              <a:rPr lang="en-US"/>
+              <a:t>Follow us on https://www.facebook.com/greenlearner</a:t>
+            </a:r>
             <a:endParaRPr lang="en-US" dirty="0"/>
           </a:p>
         </p:txBody>
@@ -3650,7 +4056,7 @@
     <p:sldLayoutId id="2147483662" r:id="rId10"/>
     <p:sldLayoutId id="2147483661" r:id="rId11"/>
   </p:sldLayoutIdLst>
-  <p:hf sldNum="0" hdr="0" ftr="0" dt="0"/>
+  <p:hf sldNum="0" hdr="0"/>
   <p:txStyles>
     <p:titleStyle>
       <a:lvl1pPr algn="l" defTabSz="457200" rtl="0" eaLnBrk="1" latinLnBrk="0" hangingPunct="1">
@@ -4358,6 +4764,64 @@
           </a:p>
         </p:txBody>
       </p:sp>
+      <p:sp>
+        <p:nvSpPr>
+          <p:cNvPr id="5" name="Date Placeholder 4">
+            <a:extLst>
+              <a:ext uri="{FF2B5EF4-FFF2-40B4-BE49-F238E27FC236}">
+                <a16:creationId xmlns:a16="http://schemas.microsoft.com/office/drawing/2014/main" id="{D8A97AD1-C328-42AB-94D6-9516B7163D7E}"/>
+              </a:ext>
+            </a:extLst>
+          </p:cNvPr>
+          <p:cNvSpPr>
+            <a:spLocks noGrp="1"/>
+          </p:cNvSpPr>
+          <p:nvPr>
+            <p:ph type="dt" sz="half" idx="10"/>
+          </p:nvPr>
+        </p:nvSpPr>
+        <p:spPr/>
+        <p:txBody>
+          <a:bodyPr/>
+          <a:lstStyle/>
+          <a:p>
+            <a:r>
+              <a:rPr lang="en-US"/>
+              <a:t>7/25/2019</a:t>
+            </a:r>
+            <a:endParaRPr lang="en-US" dirty="0"/>
+          </a:p>
+        </p:txBody>
+      </p:sp>
+      <p:sp>
+        <p:nvSpPr>
+          <p:cNvPr id="6" name="Footer Placeholder 5">
+            <a:extLst>
+              <a:ext uri="{FF2B5EF4-FFF2-40B4-BE49-F238E27FC236}">
+                <a16:creationId xmlns:a16="http://schemas.microsoft.com/office/drawing/2014/main" id="{E4E8DEA7-B860-4747-B98E-A8003E743B37}"/>
+              </a:ext>
+            </a:extLst>
+          </p:cNvPr>
+          <p:cNvSpPr>
+            <a:spLocks noGrp="1"/>
+          </p:cNvSpPr>
+          <p:nvPr>
+            <p:ph type="ftr" sz="quarter" idx="11"/>
+          </p:nvPr>
+        </p:nvSpPr>
+        <p:spPr/>
+        <p:txBody>
+          <a:bodyPr/>
+          <a:lstStyle/>
+          <a:p>
+            <a:r>
+              <a:rPr lang="en-US"/>
+              <a:t>Follow us on https://www.facebook.com/greenlearner</a:t>
+            </a:r>
+            <a:endParaRPr lang="en-US" dirty="0"/>
+          </a:p>
+        </p:txBody>
+      </p:sp>
     </p:spTree>
     <p:extLst>
       <p:ext uri="{BB962C8B-B14F-4D97-AF65-F5344CB8AC3E}">
@@ -4494,8 +4958,8 @@
           </a:p>
         </p:txBody>
       </p:sp>
-      <mc:AlternateContent xmlns:mc="http://schemas.openxmlformats.org/markup-compatibility/2006">
-        <mc:Choice xmlns:p14="http://schemas.microsoft.com/office/powerpoint/2010/main" Requires="p14">
+      <mc:AlternateContent xmlns:mc="http://schemas.openxmlformats.org/markup-compatibility/2006" xmlns:p14="http://schemas.microsoft.com/office/powerpoint/2010/main">
+        <mc:Choice Requires="p14">
           <p:contentPart p14:bwMode="auto" r:id="rId3">
             <p14:nvContentPartPr>
               <p14:cNvPr id="4" name="Ink 3">
@@ -4514,7 +4978,7 @@
             </p14:xfrm>
           </p:contentPart>
         </mc:Choice>
-        <mc:Fallback>
+        <mc:Fallback xmlns="">
           <p:pic>
             <p:nvPicPr>
               <p:cNvPr id="4" name="Ink 3">
@@ -4545,6 +5009,64 @@
           </p:pic>
         </mc:Fallback>
       </mc:AlternateContent>
+      <p:sp>
+        <p:nvSpPr>
+          <p:cNvPr id="5" name="Date Placeholder 4">
+            <a:extLst>
+              <a:ext uri="{FF2B5EF4-FFF2-40B4-BE49-F238E27FC236}">
+                <a16:creationId xmlns:a16="http://schemas.microsoft.com/office/drawing/2014/main" id="{B9575D10-2599-4FBC-A1E7-E24F99F9716E}"/>
+              </a:ext>
+            </a:extLst>
+          </p:cNvPr>
+          <p:cNvSpPr>
+            <a:spLocks noGrp="1"/>
+          </p:cNvSpPr>
+          <p:nvPr>
+            <p:ph type="dt" sz="half" idx="10"/>
+          </p:nvPr>
+        </p:nvSpPr>
+        <p:spPr/>
+        <p:txBody>
+          <a:bodyPr/>
+          <a:lstStyle/>
+          <a:p>
+            <a:r>
+              <a:rPr lang="en-US"/>
+              <a:t>7/25/2019</a:t>
+            </a:r>
+            <a:endParaRPr lang="en-US" dirty="0"/>
+          </a:p>
+        </p:txBody>
+      </p:sp>
+      <p:sp>
+        <p:nvSpPr>
+          <p:cNvPr id="6" name="Footer Placeholder 5">
+            <a:extLst>
+              <a:ext uri="{FF2B5EF4-FFF2-40B4-BE49-F238E27FC236}">
+                <a16:creationId xmlns:a16="http://schemas.microsoft.com/office/drawing/2014/main" id="{29B58C5F-CCCE-4D77-97CE-3DE2796BC1E0}"/>
+              </a:ext>
+            </a:extLst>
+          </p:cNvPr>
+          <p:cNvSpPr>
+            <a:spLocks noGrp="1"/>
+          </p:cNvSpPr>
+          <p:nvPr>
+            <p:ph type="ftr" sz="quarter" idx="11"/>
+          </p:nvPr>
+        </p:nvSpPr>
+        <p:spPr/>
+        <p:txBody>
+          <a:bodyPr/>
+          <a:lstStyle/>
+          <a:p>
+            <a:r>
+              <a:rPr lang="en-US"/>
+              <a:t>Follow us on https://www.facebook.com/greenlearner</a:t>
+            </a:r>
+            <a:endParaRPr lang="en-US" dirty="0"/>
+          </a:p>
+        </p:txBody>
+      </p:sp>
     </p:spTree>
     <p:extLst>
       <p:ext uri="{BB962C8B-B14F-4D97-AF65-F5344CB8AC3E}">
@@ -4793,8 +5315,8 @@
           </a:p>
         </p:txBody>
       </p:sp>
-      <mc:AlternateContent xmlns:mc="http://schemas.openxmlformats.org/markup-compatibility/2006">
-        <mc:Choice xmlns:p14="http://schemas.microsoft.com/office/powerpoint/2010/main" Requires="p14">
+      <mc:AlternateContent xmlns:mc="http://schemas.openxmlformats.org/markup-compatibility/2006" xmlns:p14="http://schemas.microsoft.com/office/powerpoint/2010/main">
+        <mc:Choice Requires="p14">
           <p:contentPart p14:bwMode="auto" r:id="rId2">
             <p14:nvContentPartPr>
               <p14:cNvPr id="13" name="Ink 12">
@@ -4813,7 +5335,7 @@
             </p14:xfrm>
           </p:contentPart>
         </mc:Choice>
-        <mc:Fallback>
+        <mc:Fallback xmlns="">
           <p:pic>
             <p:nvPicPr>
               <p:cNvPr id="13" name="Ink 12">
@@ -4844,6 +5366,64 @@
           </p:pic>
         </mc:Fallback>
       </mc:AlternateContent>
+      <p:sp>
+        <p:nvSpPr>
+          <p:cNvPr id="4" name="Date Placeholder 3">
+            <a:extLst>
+              <a:ext uri="{FF2B5EF4-FFF2-40B4-BE49-F238E27FC236}">
+                <a16:creationId xmlns:a16="http://schemas.microsoft.com/office/drawing/2014/main" id="{11F27C25-FD60-4D3D-AC2B-E0FC216997C4}"/>
+              </a:ext>
+            </a:extLst>
+          </p:cNvPr>
+          <p:cNvSpPr>
+            <a:spLocks noGrp="1"/>
+          </p:cNvSpPr>
+          <p:nvPr>
+            <p:ph type="dt" sz="half" idx="10"/>
+          </p:nvPr>
+        </p:nvSpPr>
+        <p:spPr/>
+        <p:txBody>
+          <a:bodyPr/>
+          <a:lstStyle/>
+          <a:p>
+            <a:r>
+              <a:rPr lang="en-US"/>
+              <a:t>7/25/2019</a:t>
+            </a:r>
+            <a:endParaRPr lang="en-US" dirty="0"/>
+          </a:p>
+        </p:txBody>
+      </p:sp>
+      <p:sp>
+        <p:nvSpPr>
+          <p:cNvPr id="5" name="Footer Placeholder 4">
+            <a:extLst>
+              <a:ext uri="{FF2B5EF4-FFF2-40B4-BE49-F238E27FC236}">
+                <a16:creationId xmlns:a16="http://schemas.microsoft.com/office/drawing/2014/main" id="{22EDE533-B0BD-4609-961F-5F2631AFDD78}"/>
+              </a:ext>
+            </a:extLst>
+          </p:cNvPr>
+          <p:cNvSpPr>
+            <a:spLocks noGrp="1"/>
+          </p:cNvSpPr>
+          <p:nvPr>
+            <p:ph type="ftr" sz="quarter" idx="11"/>
+          </p:nvPr>
+        </p:nvSpPr>
+        <p:spPr/>
+        <p:txBody>
+          <a:bodyPr/>
+          <a:lstStyle/>
+          <a:p>
+            <a:r>
+              <a:rPr lang="en-US"/>
+              <a:t>Follow us on https://www.facebook.com/greenlearner</a:t>
+            </a:r>
+            <a:endParaRPr lang="en-US" dirty="0"/>
+          </a:p>
+        </p:txBody>
+      </p:sp>
     </p:spTree>
     <p:extLst>
       <p:ext uri="{BB962C8B-B14F-4D97-AF65-F5344CB8AC3E}">
@@ -6189,8 +6769,8 @@
           </a:p>
         </p:txBody>
       </p:sp>
-      <mc:AlternateContent xmlns:mc="http://schemas.openxmlformats.org/markup-compatibility/2006">
-        <mc:Choice xmlns:p14="http://schemas.microsoft.com/office/powerpoint/2010/main" Requires="p14">
+      <mc:AlternateContent xmlns:mc="http://schemas.openxmlformats.org/markup-compatibility/2006" xmlns:p14="http://schemas.microsoft.com/office/powerpoint/2010/main">
+        <mc:Choice Requires="p14">
           <p:contentPart p14:bwMode="auto" r:id="rId2">
             <p14:nvContentPartPr>
               <p14:cNvPr id="6" name="Ink 5">
@@ -6209,7 +6789,7 @@
             </p14:xfrm>
           </p:contentPart>
         </mc:Choice>
-        <mc:Fallback>
+        <mc:Fallback xmlns="">
           <p:pic>
             <p:nvPicPr>
               <p:cNvPr id="6" name="Ink 5">
@@ -6240,6 +6820,64 @@
           </p:pic>
         </mc:Fallback>
       </mc:AlternateContent>
+      <p:sp>
+        <p:nvSpPr>
+          <p:cNvPr id="4" name="Date Placeholder 3">
+            <a:extLst>
+              <a:ext uri="{FF2B5EF4-FFF2-40B4-BE49-F238E27FC236}">
+                <a16:creationId xmlns:a16="http://schemas.microsoft.com/office/drawing/2014/main" id="{3F923E3C-5178-40F5-B44D-39BD7F0E0332}"/>
+              </a:ext>
+            </a:extLst>
+          </p:cNvPr>
+          <p:cNvSpPr>
+            <a:spLocks noGrp="1"/>
+          </p:cNvSpPr>
+          <p:nvPr>
+            <p:ph type="dt" sz="half" idx="10"/>
+          </p:nvPr>
+        </p:nvSpPr>
+        <p:spPr/>
+        <p:txBody>
+          <a:bodyPr/>
+          <a:lstStyle/>
+          <a:p>
+            <a:r>
+              <a:rPr lang="en-US"/>
+              <a:t>7/25/2019</a:t>
+            </a:r>
+            <a:endParaRPr lang="en-US" dirty="0"/>
+          </a:p>
+        </p:txBody>
+      </p:sp>
+      <p:sp>
+        <p:nvSpPr>
+          <p:cNvPr id="5" name="Footer Placeholder 4">
+            <a:extLst>
+              <a:ext uri="{FF2B5EF4-FFF2-40B4-BE49-F238E27FC236}">
+                <a16:creationId xmlns:a16="http://schemas.microsoft.com/office/drawing/2014/main" id="{B1DA40C3-A764-4BEA-9DD6-545EC406AFD8}"/>
+              </a:ext>
+            </a:extLst>
+          </p:cNvPr>
+          <p:cNvSpPr>
+            <a:spLocks noGrp="1"/>
+          </p:cNvSpPr>
+          <p:nvPr>
+            <p:ph type="ftr" sz="quarter" idx="11"/>
+          </p:nvPr>
+        </p:nvSpPr>
+        <p:spPr/>
+        <p:txBody>
+          <a:bodyPr/>
+          <a:lstStyle/>
+          <a:p>
+            <a:r>
+              <a:rPr lang="en-US"/>
+              <a:t>Follow us on https://www.facebook.com/greenlearner</a:t>
+            </a:r>
+            <a:endParaRPr lang="en-US" dirty="0"/>
+          </a:p>
+        </p:txBody>
+      </p:sp>
     </p:spTree>
     <p:extLst>
       <p:ext uri="{BB962C8B-B14F-4D97-AF65-F5344CB8AC3E}">
@@ -6872,8 +7510,8 @@
           </a:p>
         </p:txBody>
       </p:sp>
-      <mc:AlternateContent xmlns:mc="http://schemas.openxmlformats.org/markup-compatibility/2006">
-        <mc:Choice xmlns:p14="http://schemas.microsoft.com/office/powerpoint/2010/main" Requires="p14">
+      <mc:AlternateContent xmlns:mc="http://schemas.openxmlformats.org/markup-compatibility/2006" xmlns:p14="http://schemas.microsoft.com/office/powerpoint/2010/main">
+        <mc:Choice Requires="p14">
           <p:contentPart p14:bwMode="auto" r:id="rId2">
             <p14:nvContentPartPr>
               <p14:cNvPr id="4" name="Ink 3">
@@ -6892,7 +7530,7 @@
             </p14:xfrm>
           </p:contentPart>
         </mc:Choice>
-        <mc:Fallback>
+        <mc:Fallback xmlns="">
           <p:pic>
             <p:nvPicPr>
               <p:cNvPr id="4" name="Ink 3">
@@ -6923,6 +7561,70 @@
           </p:pic>
         </mc:Fallback>
       </mc:AlternateContent>
+      <p:sp>
+        <p:nvSpPr>
+          <p:cNvPr id="5" name="Date Placeholder 4">
+            <a:extLst>
+              <a:ext uri="{FF2B5EF4-FFF2-40B4-BE49-F238E27FC236}">
+                <a16:creationId xmlns:a16="http://schemas.microsoft.com/office/drawing/2014/main" id="{9FB5BF8A-C368-48B8-BAE8-8E772940917E}"/>
+              </a:ext>
+            </a:extLst>
+          </p:cNvPr>
+          <p:cNvSpPr>
+            <a:spLocks noGrp="1"/>
+          </p:cNvSpPr>
+          <p:nvPr>
+            <p:ph type="dt" sz="half" idx="10"/>
+          </p:nvPr>
+        </p:nvSpPr>
+        <p:spPr>
+          <a:solidFill>
+            <a:schemeClr val="bg2"/>
+          </a:solidFill>
+        </p:spPr>
+        <p:txBody>
+          <a:bodyPr/>
+          <a:lstStyle/>
+          <a:p>
+            <a:r>
+              <a:rPr lang="en-US" dirty="0"/>
+              <a:t>7/25/2019</a:t>
+            </a:r>
+          </a:p>
+        </p:txBody>
+      </p:sp>
+      <p:sp>
+        <p:nvSpPr>
+          <p:cNvPr id="6" name="Footer Placeholder 5">
+            <a:extLst>
+              <a:ext uri="{FF2B5EF4-FFF2-40B4-BE49-F238E27FC236}">
+                <a16:creationId xmlns:a16="http://schemas.microsoft.com/office/drawing/2014/main" id="{B6540746-8E09-4547-81F5-ADDB114785DF}"/>
+              </a:ext>
+            </a:extLst>
+          </p:cNvPr>
+          <p:cNvSpPr>
+            <a:spLocks noGrp="1"/>
+          </p:cNvSpPr>
+          <p:nvPr>
+            <p:ph type="ftr" sz="quarter" idx="11"/>
+          </p:nvPr>
+        </p:nvSpPr>
+        <p:spPr>
+          <a:solidFill>
+            <a:schemeClr val="bg2"/>
+          </a:solidFill>
+        </p:spPr>
+        <p:txBody>
+          <a:bodyPr/>
+          <a:lstStyle/>
+          <a:p>
+            <a:r>
+              <a:rPr lang="en-US" dirty="0"/>
+              <a:t>Follow us on https://www.facebook.com/greenlearner</a:t>
+            </a:r>
+          </a:p>
+        </p:txBody>
+      </p:sp>
     </p:spTree>
     <p:extLst>
       <p:ext uri="{BB962C8B-B14F-4D97-AF65-F5344CB8AC3E}">
@@ -7504,6 +8206,64 @@
           </a:p>
         </p:txBody>
       </p:sp>
+      <p:sp>
+        <p:nvSpPr>
+          <p:cNvPr id="4" name="Date Placeholder 3">
+            <a:extLst>
+              <a:ext uri="{FF2B5EF4-FFF2-40B4-BE49-F238E27FC236}">
+                <a16:creationId xmlns:a16="http://schemas.microsoft.com/office/drawing/2014/main" id="{D533303F-268E-427F-9874-2ACB5328D21D}"/>
+              </a:ext>
+            </a:extLst>
+          </p:cNvPr>
+          <p:cNvSpPr>
+            <a:spLocks noGrp="1"/>
+          </p:cNvSpPr>
+          <p:nvPr>
+            <p:ph type="dt" sz="half" idx="10"/>
+          </p:nvPr>
+        </p:nvSpPr>
+        <p:spPr/>
+        <p:txBody>
+          <a:bodyPr/>
+          <a:lstStyle/>
+          <a:p>
+            <a:r>
+              <a:rPr lang="en-US"/>
+              <a:t>7/25/2019</a:t>
+            </a:r>
+            <a:endParaRPr lang="en-US" dirty="0"/>
+          </a:p>
+        </p:txBody>
+      </p:sp>
+      <p:sp>
+        <p:nvSpPr>
+          <p:cNvPr id="5" name="Footer Placeholder 4">
+            <a:extLst>
+              <a:ext uri="{FF2B5EF4-FFF2-40B4-BE49-F238E27FC236}">
+                <a16:creationId xmlns:a16="http://schemas.microsoft.com/office/drawing/2014/main" id="{6C137A10-DB6F-4ADA-895E-7056D171FB53}"/>
+              </a:ext>
+            </a:extLst>
+          </p:cNvPr>
+          <p:cNvSpPr>
+            <a:spLocks noGrp="1"/>
+          </p:cNvSpPr>
+          <p:nvPr>
+            <p:ph type="ftr" sz="quarter" idx="11"/>
+          </p:nvPr>
+        </p:nvSpPr>
+        <p:spPr/>
+        <p:txBody>
+          <a:bodyPr/>
+          <a:lstStyle/>
+          <a:p>
+            <a:r>
+              <a:rPr lang="en-US"/>
+              <a:t>Follow us on https://www.facebook.com/greenlearner</a:t>
+            </a:r>
+            <a:endParaRPr lang="en-US" dirty="0"/>
+          </a:p>
+        </p:txBody>
+      </p:sp>
     </p:spTree>
     <p:extLst>
       <p:ext uri="{BB962C8B-B14F-4D97-AF65-F5344CB8AC3E}">
@@ -8047,6 +8807,64 @@
           </a:p>
         </p:txBody>
       </p:sp>
+      <p:sp>
+        <p:nvSpPr>
+          <p:cNvPr id="4" name="Date Placeholder 3">
+            <a:extLst>
+              <a:ext uri="{FF2B5EF4-FFF2-40B4-BE49-F238E27FC236}">
+                <a16:creationId xmlns:a16="http://schemas.microsoft.com/office/drawing/2014/main" id="{6B7FBBA2-F63F-4BCC-9E4C-65AE458EF36E}"/>
+              </a:ext>
+            </a:extLst>
+          </p:cNvPr>
+          <p:cNvSpPr>
+            <a:spLocks noGrp="1"/>
+          </p:cNvSpPr>
+          <p:nvPr>
+            <p:ph type="dt" sz="half" idx="10"/>
+          </p:nvPr>
+        </p:nvSpPr>
+        <p:spPr/>
+        <p:txBody>
+          <a:bodyPr/>
+          <a:lstStyle/>
+          <a:p>
+            <a:r>
+              <a:rPr lang="en-US"/>
+              <a:t>7/25/2019</a:t>
+            </a:r>
+            <a:endParaRPr lang="en-US" dirty="0"/>
+          </a:p>
+        </p:txBody>
+      </p:sp>
+      <p:sp>
+        <p:nvSpPr>
+          <p:cNvPr id="5" name="Footer Placeholder 4">
+            <a:extLst>
+              <a:ext uri="{FF2B5EF4-FFF2-40B4-BE49-F238E27FC236}">
+                <a16:creationId xmlns:a16="http://schemas.microsoft.com/office/drawing/2014/main" id="{430B4DDF-42A9-4896-87B6-6D10E1D9CBB2}"/>
+              </a:ext>
+            </a:extLst>
+          </p:cNvPr>
+          <p:cNvSpPr>
+            <a:spLocks noGrp="1"/>
+          </p:cNvSpPr>
+          <p:nvPr>
+            <p:ph type="ftr" sz="quarter" idx="11"/>
+          </p:nvPr>
+        </p:nvSpPr>
+        <p:spPr/>
+        <p:txBody>
+          <a:bodyPr/>
+          <a:lstStyle/>
+          <a:p>
+            <a:r>
+              <a:rPr lang="en-US"/>
+              <a:t>Follow us on https://www.facebook.com/greenlearner</a:t>
+            </a:r>
+            <a:endParaRPr lang="en-US" dirty="0"/>
+          </a:p>
+        </p:txBody>
+      </p:sp>
     </p:spTree>
     <p:extLst>
       <p:ext uri="{BB962C8B-B14F-4D97-AF65-F5344CB8AC3E}">
@@ -8475,8 +9293,8 @@
           </a:p>
         </p:txBody>
       </p:sp>
-      <mc:AlternateContent xmlns:mc="http://schemas.openxmlformats.org/markup-compatibility/2006">
-        <mc:Choice xmlns:p14="http://schemas.microsoft.com/office/powerpoint/2010/main" Requires="p14">
+      <mc:AlternateContent xmlns:mc="http://schemas.openxmlformats.org/markup-compatibility/2006" xmlns:p14="http://schemas.microsoft.com/office/powerpoint/2010/main">
+        <mc:Choice Requires="p14">
           <p:contentPart p14:bwMode="auto" r:id="rId2">
             <p14:nvContentPartPr>
               <p14:cNvPr id="4" name="Ink 3">
@@ -8495,7 +9313,7 @@
             </p14:xfrm>
           </p:contentPart>
         </mc:Choice>
-        <mc:Fallback>
+        <mc:Fallback xmlns="">
           <p:pic>
             <p:nvPicPr>
               <p:cNvPr id="4" name="Ink 3">
@@ -8526,6 +9344,64 @@
           </p:pic>
         </mc:Fallback>
       </mc:AlternateContent>
+      <p:sp>
+        <p:nvSpPr>
+          <p:cNvPr id="5" name="Date Placeholder 4">
+            <a:extLst>
+              <a:ext uri="{FF2B5EF4-FFF2-40B4-BE49-F238E27FC236}">
+                <a16:creationId xmlns:a16="http://schemas.microsoft.com/office/drawing/2014/main" id="{721D54C6-AA05-461A-8C23-DE415C178E06}"/>
+              </a:ext>
+            </a:extLst>
+          </p:cNvPr>
+          <p:cNvSpPr>
+            <a:spLocks noGrp="1"/>
+          </p:cNvSpPr>
+          <p:nvPr>
+            <p:ph type="dt" sz="half" idx="10"/>
+          </p:nvPr>
+        </p:nvSpPr>
+        <p:spPr/>
+        <p:txBody>
+          <a:bodyPr/>
+          <a:lstStyle/>
+          <a:p>
+            <a:r>
+              <a:rPr lang="en-US"/>
+              <a:t>7/25/2019</a:t>
+            </a:r>
+            <a:endParaRPr lang="en-US" dirty="0"/>
+          </a:p>
+        </p:txBody>
+      </p:sp>
+      <p:sp>
+        <p:nvSpPr>
+          <p:cNvPr id="6" name="Footer Placeholder 5">
+            <a:extLst>
+              <a:ext uri="{FF2B5EF4-FFF2-40B4-BE49-F238E27FC236}">
+                <a16:creationId xmlns:a16="http://schemas.microsoft.com/office/drawing/2014/main" id="{10238DD1-4353-4BB3-9536-7D0B104713A2}"/>
+              </a:ext>
+            </a:extLst>
+          </p:cNvPr>
+          <p:cNvSpPr>
+            <a:spLocks noGrp="1"/>
+          </p:cNvSpPr>
+          <p:nvPr>
+            <p:ph type="ftr" sz="quarter" idx="11"/>
+          </p:nvPr>
+        </p:nvSpPr>
+        <p:spPr/>
+        <p:txBody>
+          <a:bodyPr/>
+          <a:lstStyle/>
+          <a:p>
+            <a:r>
+              <a:rPr lang="en-US"/>
+              <a:t>Follow us on https://www.facebook.com/greenlearner</a:t>
+            </a:r>
+            <a:endParaRPr lang="en-US" dirty="0"/>
+          </a:p>
+        </p:txBody>
+      </p:sp>
     </p:spTree>
     <p:extLst>
       <p:ext uri="{BB962C8B-B14F-4D97-AF65-F5344CB8AC3E}">
@@ -8954,6 +9830,64 @@
           </a:p>
         </p:txBody>
       </p:sp>
+      <p:sp>
+        <p:nvSpPr>
+          <p:cNvPr id="4" name="Date Placeholder 3">
+            <a:extLst>
+              <a:ext uri="{FF2B5EF4-FFF2-40B4-BE49-F238E27FC236}">
+                <a16:creationId xmlns:a16="http://schemas.microsoft.com/office/drawing/2014/main" id="{72347FC7-9310-4901-81D4-31A823A5EB8A}"/>
+              </a:ext>
+            </a:extLst>
+          </p:cNvPr>
+          <p:cNvSpPr>
+            <a:spLocks noGrp="1"/>
+          </p:cNvSpPr>
+          <p:nvPr>
+            <p:ph type="dt" sz="half" idx="10"/>
+          </p:nvPr>
+        </p:nvSpPr>
+        <p:spPr/>
+        <p:txBody>
+          <a:bodyPr/>
+          <a:lstStyle/>
+          <a:p>
+            <a:r>
+              <a:rPr lang="en-US"/>
+              <a:t>7/25/2019</a:t>
+            </a:r>
+            <a:endParaRPr lang="en-US" dirty="0"/>
+          </a:p>
+        </p:txBody>
+      </p:sp>
+      <p:sp>
+        <p:nvSpPr>
+          <p:cNvPr id="5" name="Footer Placeholder 4">
+            <a:extLst>
+              <a:ext uri="{FF2B5EF4-FFF2-40B4-BE49-F238E27FC236}">
+                <a16:creationId xmlns:a16="http://schemas.microsoft.com/office/drawing/2014/main" id="{B36EFD41-02EE-44D2-A0BC-5A1B26270B31}"/>
+              </a:ext>
+            </a:extLst>
+          </p:cNvPr>
+          <p:cNvSpPr>
+            <a:spLocks noGrp="1"/>
+          </p:cNvSpPr>
+          <p:nvPr>
+            <p:ph type="ftr" sz="quarter" idx="11"/>
+          </p:nvPr>
+        </p:nvSpPr>
+        <p:spPr/>
+        <p:txBody>
+          <a:bodyPr/>
+          <a:lstStyle/>
+          <a:p>
+            <a:r>
+              <a:rPr lang="en-US"/>
+              <a:t>Follow us on https://www.facebook.com/greenlearner</a:t>
+            </a:r>
+            <a:endParaRPr lang="en-US" dirty="0"/>
+          </a:p>
+        </p:txBody>
+      </p:sp>
     </p:spTree>
     <p:extLst>
       <p:ext uri="{BB962C8B-B14F-4D97-AF65-F5344CB8AC3E}">
@@ -9356,6 +10290,64 @@
           </a:p>
         </p:txBody>
       </p:sp>
+      <p:sp>
+        <p:nvSpPr>
+          <p:cNvPr id="4" name="Date Placeholder 3">
+            <a:extLst>
+              <a:ext uri="{FF2B5EF4-FFF2-40B4-BE49-F238E27FC236}">
+                <a16:creationId xmlns:a16="http://schemas.microsoft.com/office/drawing/2014/main" id="{D017E95A-2975-4D12-9DE1-9EDEC3036439}"/>
+              </a:ext>
+            </a:extLst>
+          </p:cNvPr>
+          <p:cNvSpPr>
+            <a:spLocks noGrp="1"/>
+          </p:cNvSpPr>
+          <p:nvPr>
+            <p:ph type="dt" sz="half" idx="10"/>
+          </p:nvPr>
+        </p:nvSpPr>
+        <p:spPr/>
+        <p:txBody>
+          <a:bodyPr/>
+          <a:lstStyle/>
+          <a:p>
+            <a:r>
+              <a:rPr lang="en-US"/>
+              <a:t>7/25/2019</a:t>
+            </a:r>
+            <a:endParaRPr lang="en-US" dirty="0"/>
+          </a:p>
+        </p:txBody>
+      </p:sp>
+      <p:sp>
+        <p:nvSpPr>
+          <p:cNvPr id="5" name="Footer Placeholder 4">
+            <a:extLst>
+              <a:ext uri="{FF2B5EF4-FFF2-40B4-BE49-F238E27FC236}">
+                <a16:creationId xmlns:a16="http://schemas.microsoft.com/office/drawing/2014/main" id="{E5E072D9-53C2-499F-96B1-0ACFC71EA021}"/>
+              </a:ext>
+            </a:extLst>
+          </p:cNvPr>
+          <p:cNvSpPr>
+            <a:spLocks noGrp="1"/>
+          </p:cNvSpPr>
+          <p:nvPr>
+            <p:ph type="ftr" sz="quarter" idx="11"/>
+          </p:nvPr>
+        </p:nvSpPr>
+        <p:spPr/>
+        <p:txBody>
+          <a:bodyPr/>
+          <a:lstStyle/>
+          <a:p>
+            <a:r>
+              <a:rPr lang="en-US"/>
+              <a:t>Follow us on https://www.facebook.com/greenlearner</a:t>
+            </a:r>
+            <a:endParaRPr lang="en-US" dirty="0"/>
+          </a:p>
+        </p:txBody>
+      </p:sp>
     </p:spTree>
     <p:extLst>
       <p:ext uri="{BB962C8B-B14F-4D97-AF65-F5344CB8AC3E}">
@@ -9636,4 +10628,299 @@
     </a:ext>
   </a:extLst>
 </a:theme>
+</file>
+
+<file path=ppt/theme/theme2.xml><?xml version="1.0" encoding="utf-8"?>
+<a:theme xmlns:a="http://schemas.openxmlformats.org/drawingml/2006/main" name="Office Theme">
+  <a:themeElements>
+    <a:clrScheme name="Office">
+      <a:dk1>
+        <a:sysClr val="windowText" lastClr="000000"/>
+      </a:dk1>
+      <a:lt1>
+        <a:sysClr val="window" lastClr="FFFFFF"/>
+      </a:lt1>
+      <a:dk2>
+        <a:srgbClr val="44546A"/>
+      </a:dk2>
+      <a:lt2>
+        <a:srgbClr val="E7E6E6"/>
+      </a:lt2>
+      <a:accent1>
+        <a:srgbClr val="4472C4"/>
+      </a:accent1>
+      <a:accent2>
+        <a:srgbClr val="ED7D31"/>
+      </a:accent2>
+      <a:accent3>
+        <a:srgbClr val="A5A5A5"/>
+      </a:accent3>
+      <a:accent4>
+        <a:srgbClr val="FFC000"/>
+      </a:accent4>
+      <a:accent5>
+        <a:srgbClr val="5B9BD5"/>
+      </a:accent5>
+      <a:accent6>
+        <a:srgbClr val="70AD47"/>
+      </a:accent6>
+      <a:hlink>
+        <a:srgbClr val="0563C1"/>
+      </a:hlink>
+      <a:folHlink>
+        <a:srgbClr val="954F72"/>
+      </a:folHlink>
+    </a:clrScheme>
+    <a:fontScheme name="Office">
+      <a:majorFont>
+        <a:latin typeface="Calibri Light" panose="020F0302020204030204"/>
+        <a:ea typeface=""/>
+        <a:cs typeface=""/>
+        <a:font script="Jpan" typeface="游ゴシック Light"/>
+        <a:font script="Hang" typeface="맑은 고딕"/>
+        <a:font script="Hans" typeface="等线 Light"/>
+        <a:font script="Hant" typeface="新細明體"/>
+        <a:font script="Arab" typeface="Times New Roman"/>
+        <a:font script="Hebr" typeface="Times New Roman"/>
+        <a:font script="Thai" typeface="Angsana New"/>
+        <a:font script="Ethi" typeface="Nyala"/>
+        <a:font script="Beng" typeface="Vrinda"/>
+        <a:font script="Gujr" typeface="Shruti"/>
+        <a:font script="Khmr" typeface="MoolBoran"/>
+        <a:font script="Knda" typeface="Tunga"/>
+        <a:font script="Guru" typeface="Raavi"/>
+        <a:font script="Cans" typeface="Euphemia"/>
+        <a:font script="Cher" typeface="Plantagenet Cherokee"/>
+        <a:font script="Yiii" typeface="Microsoft Yi Baiti"/>
+        <a:font script="Tibt" typeface="Microsoft Himalaya"/>
+        <a:font script="Thaa" typeface="MV Boli"/>
+        <a:font script="Deva" typeface="Mangal"/>
+        <a:font script="Telu" typeface="Gautami"/>
+        <a:font script="Taml" typeface="Latha"/>
+        <a:font script="Syrc" typeface="Estrangelo Edessa"/>
+        <a:font script="Orya" typeface="Kalinga"/>
+        <a:font script="Mlym" typeface="Kartika"/>
+        <a:font script="Laoo" typeface="DokChampa"/>
+        <a:font script="Sinh" typeface="Iskoola Pota"/>
+        <a:font script="Mong" typeface="Mongolian Baiti"/>
+        <a:font script="Viet" typeface="Times New Roman"/>
+        <a:font script="Uigh" typeface="Microsoft Uighur"/>
+        <a:font script="Geor" typeface="Sylfaen"/>
+        <a:font script="Armn" typeface="Arial"/>
+        <a:font script="Bugi" typeface="Leelawadee UI"/>
+        <a:font script="Bopo" typeface="Microsoft JhengHei"/>
+        <a:font script="Java" typeface="Javanese Text"/>
+        <a:font script="Lisu" typeface="Segoe UI"/>
+        <a:font script="Mymr" typeface="Myanmar Text"/>
+        <a:font script="Nkoo" typeface="Ebrima"/>
+        <a:font script="Olck" typeface="Nirmala UI"/>
+        <a:font script="Osma" typeface="Ebrima"/>
+        <a:font script="Phag" typeface="Phagspa"/>
+        <a:font script="Syrn" typeface="Estrangelo Edessa"/>
+        <a:font script="Syrj" typeface="Estrangelo Edessa"/>
+        <a:font script="Syre" typeface="Estrangelo Edessa"/>
+        <a:font script="Sora" typeface="Nirmala UI"/>
+        <a:font script="Tale" typeface="Microsoft Tai Le"/>
+        <a:font script="Talu" typeface="Microsoft New Tai Lue"/>
+        <a:font script="Tfng" typeface="Ebrima"/>
+      </a:majorFont>
+      <a:minorFont>
+        <a:latin typeface="Calibri" panose="020F0502020204030204"/>
+        <a:ea typeface=""/>
+        <a:cs typeface=""/>
+        <a:font script="Jpan" typeface="游ゴシック"/>
+        <a:font script="Hang" typeface="맑은 고딕"/>
+        <a:font script="Hans" typeface="等线"/>
+        <a:font script="Hant" typeface="新細明體"/>
+        <a:font script="Arab" typeface="Arial"/>
+        <a:font script="Hebr" typeface="Arial"/>
+        <a:font script="Thai" typeface="Cordia New"/>
+        <a:font script="Ethi" typeface="Nyala"/>
+        <a:font script="Beng" typeface="Vrinda"/>
+        <a:font script="Gujr" typeface="Shruti"/>
+        <a:font script="Khmr" typeface="DaunPenh"/>
+        <a:font script="Knda" typeface="Tunga"/>
+        <a:font script="Guru" typeface="Raavi"/>
+        <a:font script="Cans" typeface="Euphemia"/>
+        <a:font script="Cher" typeface="Plantagenet Cherokee"/>
+        <a:font script="Yiii" typeface="Microsoft Yi Baiti"/>
+        <a:font script="Tibt" typeface="Microsoft Himalaya"/>
+        <a:font script="Thaa" typeface="MV Boli"/>
+        <a:font script="Deva" typeface="Mangal"/>
+        <a:font script="Telu" typeface="Gautami"/>
+        <a:font script="Taml" typeface="Latha"/>
+        <a:font script="Syrc" typeface="Estrangelo Edessa"/>
+        <a:font script="Orya" typeface="Kalinga"/>
+        <a:font script="Mlym" typeface="Kartika"/>
+        <a:font script="Laoo" typeface="DokChampa"/>
+        <a:font script="Sinh" typeface="Iskoola Pota"/>
+        <a:font script="Mong" typeface="Mongolian Baiti"/>
+        <a:font script="Viet" typeface="Arial"/>
+        <a:font script="Uigh" typeface="Microsoft Uighur"/>
+        <a:font script="Geor" typeface="Sylfaen"/>
+        <a:font script="Armn" typeface="Arial"/>
+        <a:font script="Bugi" typeface="Leelawadee UI"/>
+        <a:font script="Bopo" typeface="Microsoft JhengHei"/>
+        <a:font script="Java" typeface="Javanese Text"/>
+        <a:font script="Lisu" typeface="Segoe UI"/>
+        <a:font script="Mymr" typeface="Myanmar Text"/>
+        <a:font script="Nkoo" typeface="Ebrima"/>
+        <a:font script="Olck" typeface="Nirmala UI"/>
+        <a:font script="Osma" typeface="Ebrima"/>
+        <a:font script="Phag" typeface="Phagspa"/>
+        <a:font script="Syrn" typeface="Estrangelo Edessa"/>
+        <a:font script="Syrj" typeface="Estrangelo Edessa"/>
+        <a:font script="Syre" typeface="Estrangelo Edessa"/>
+        <a:font script="Sora" typeface="Nirmala UI"/>
+        <a:font script="Tale" typeface="Microsoft Tai Le"/>
+        <a:font script="Talu" typeface="Microsoft New Tai Lue"/>
+        <a:font script="Tfng" typeface="Ebrima"/>
+      </a:minorFont>
+    </a:fontScheme>
+    <a:fmtScheme name="Office">
+      <a:fillStyleLst>
+        <a:solidFill>
+          <a:schemeClr val="phClr"/>
+        </a:solidFill>
+        <a:gradFill rotWithShape="1">
+          <a:gsLst>
+            <a:gs pos="0">
+              <a:schemeClr val="phClr">
+                <a:lumMod val="110000"/>
+                <a:satMod val="105000"/>
+                <a:tint val="67000"/>
+              </a:schemeClr>
+            </a:gs>
+            <a:gs pos="50000">
+              <a:schemeClr val="phClr">
+                <a:lumMod val="105000"/>
+                <a:satMod val="103000"/>
+                <a:tint val="73000"/>
+              </a:schemeClr>
+            </a:gs>
+            <a:gs pos="100000">
+              <a:schemeClr val="phClr">
+                <a:lumMod val="105000"/>
+                <a:satMod val="109000"/>
+                <a:tint val="81000"/>
+              </a:schemeClr>
+            </a:gs>
+          </a:gsLst>
+          <a:lin ang="5400000" scaled="0"/>
+        </a:gradFill>
+        <a:gradFill rotWithShape="1">
+          <a:gsLst>
+            <a:gs pos="0">
+              <a:schemeClr val="phClr">
+                <a:satMod val="103000"/>
+                <a:lumMod val="102000"/>
+                <a:tint val="94000"/>
+              </a:schemeClr>
+            </a:gs>
+            <a:gs pos="50000">
+              <a:schemeClr val="phClr">
+                <a:satMod val="110000"/>
+                <a:lumMod val="100000"/>
+                <a:shade val="100000"/>
+              </a:schemeClr>
+            </a:gs>
+            <a:gs pos="100000">
+              <a:schemeClr val="phClr">
+                <a:lumMod val="99000"/>
+                <a:satMod val="120000"/>
+                <a:shade val="78000"/>
+              </a:schemeClr>
+            </a:gs>
+          </a:gsLst>
+          <a:lin ang="5400000" scaled="0"/>
+        </a:gradFill>
+      </a:fillStyleLst>
+      <a:lnStyleLst>
+        <a:ln w="6350" cap="flat" cmpd="sng" algn="ctr">
+          <a:solidFill>
+            <a:schemeClr val="phClr"/>
+          </a:solidFill>
+          <a:prstDash val="solid"/>
+          <a:miter lim="800000"/>
+        </a:ln>
+        <a:ln w="12700" cap="flat" cmpd="sng" algn="ctr">
+          <a:solidFill>
+            <a:schemeClr val="phClr"/>
+          </a:solidFill>
+          <a:prstDash val="solid"/>
+          <a:miter lim="800000"/>
+        </a:ln>
+        <a:ln w="19050" cap="flat" cmpd="sng" algn="ctr">
+          <a:solidFill>
+            <a:schemeClr val="phClr"/>
+          </a:solidFill>
+          <a:prstDash val="solid"/>
+          <a:miter lim="800000"/>
+        </a:ln>
+      </a:lnStyleLst>
+      <a:effectStyleLst>
+        <a:effectStyle>
+          <a:effectLst/>
+        </a:effectStyle>
+        <a:effectStyle>
+          <a:effectLst/>
+        </a:effectStyle>
+        <a:effectStyle>
+          <a:effectLst>
+            <a:outerShdw blurRad="57150" dist="19050" dir="5400000" algn="ctr" rotWithShape="0">
+              <a:srgbClr val="000000">
+                <a:alpha val="63000"/>
+              </a:srgbClr>
+            </a:outerShdw>
+          </a:effectLst>
+        </a:effectStyle>
+      </a:effectStyleLst>
+      <a:bgFillStyleLst>
+        <a:solidFill>
+          <a:schemeClr val="phClr"/>
+        </a:solidFill>
+        <a:solidFill>
+          <a:schemeClr val="phClr">
+            <a:tint val="95000"/>
+            <a:satMod val="170000"/>
+          </a:schemeClr>
+        </a:solidFill>
+        <a:gradFill rotWithShape="1">
+          <a:gsLst>
+            <a:gs pos="0">
+              <a:schemeClr val="phClr">
+                <a:tint val="93000"/>
+                <a:satMod val="150000"/>
+                <a:shade val="98000"/>
+                <a:lumMod val="102000"/>
+              </a:schemeClr>
+            </a:gs>
+            <a:gs pos="50000">
+              <a:schemeClr val="phClr">
+                <a:tint val="98000"/>
+                <a:satMod val="130000"/>
+                <a:shade val="90000"/>
+                <a:lumMod val="103000"/>
+              </a:schemeClr>
+            </a:gs>
+            <a:gs pos="100000">
+              <a:schemeClr val="phClr">
+                <a:shade val="63000"/>
+                <a:satMod val="120000"/>
+              </a:schemeClr>
+            </a:gs>
+          </a:gsLst>
+          <a:lin ang="5400000" scaled="0"/>
+        </a:gradFill>
+      </a:bgFillStyleLst>
+    </a:fmtScheme>
+  </a:themeElements>
+  <a:objectDefaults/>
+  <a:extraClrSchemeLst/>
+  <a:extLst>
+    <a:ext uri="{05A4C25C-085E-4340-85A3-A5531E510DB2}">
+      <thm15:themeFamily xmlns:thm15="http://schemas.microsoft.com/office/thememl/2012/main" name="Office Theme" id="{62F939B6-93AF-4DB8-9C6B-D6C7DFDC589F}" vid="{4A3C46E8-61CC-4603-A589-7422A47A8E4A}"/>
+    </a:ext>
+  </a:extLst>
+</a:theme>
 </file>